--- a/spring12/slidesS12/simple-graphs.pptx
+++ b/spring12/slidesS12/simple-graphs.pptx
@@ -3,49 +3,47 @@
 <p:presentation xmlns:a="http://schemas.openxmlformats.org/drawingml/2006/main" xmlns:r="http://schemas.openxmlformats.org/officeDocument/2006/relationships" xmlns:p="http://schemas.openxmlformats.org/presentationml/2006/main" embedTrueTypeFonts="1" saveSubsetFonts="1">
   <p:sldMasterIdLst>
     <p:sldMasterId id="2147483650" r:id="rId1"/>
-    <p:sldMasterId id="2147483662" r:id="rId2"/>
   </p:sldMasterIdLst>
   <p:notesMasterIdLst>
-    <p:notesMasterId r:id="rId32"/>
+    <p:notesMasterId r:id="rId30"/>
   </p:notesMasterIdLst>
   <p:handoutMasterIdLst>
-    <p:handoutMasterId r:id="rId33"/>
+    <p:handoutMasterId r:id="rId31"/>
   </p:handoutMasterIdLst>
   <p:sldIdLst>
-    <p:sldId id="692" r:id="rId3"/>
-    <p:sldId id="693" r:id="rId4"/>
-    <p:sldId id="764" r:id="rId5"/>
-    <p:sldId id="694" r:id="rId6"/>
-    <p:sldId id="765" r:id="rId7"/>
-    <p:sldId id="702" r:id="rId8"/>
-    <p:sldId id="734" r:id="rId9"/>
-    <p:sldId id="706" r:id="rId10"/>
-    <p:sldId id="707" r:id="rId11"/>
-    <p:sldId id="708" r:id="rId12"/>
-    <p:sldId id="739" r:id="rId13"/>
-    <p:sldId id="736" r:id="rId14"/>
-    <p:sldId id="786" r:id="rId15"/>
-    <p:sldId id="738" r:id="rId16"/>
-    <p:sldId id="749" r:id="rId17"/>
-    <p:sldId id="695" r:id="rId18"/>
-    <p:sldId id="696" r:id="rId19"/>
-    <p:sldId id="740" r:id="rId20"/>
-    <p:sldId id="697" r:id="rId21"/>
-    <p:sldId id="741" r:id="rId22"/>
-    <p:sldId id="746" r:id="rId23"/>
-    <p:sldId id="742" r:id="rId24"/>
-    <p:sldId id="743" r:id="rId25"/>
-    <p:sldId id="744" r:id="rId26"/>
-    <p:sldId id="703" r:id="rId27"/>
-    <p:sldId id="771" r:id="rId28"/>
-    <p:sldId id="745" r:id="rId29"/>
-    <p:sldId id="772" r:id="rId30"/>
-    <p:sldId id="704" r:id="rId31"/>
+    <p:sldId id="692" r:id="rId2"/>
+    <p:sldId id="693" r:id="rId3"/>
+    <p:sldId id="764" r:id="rId4"/>
+    <p:sldId id="694" r:id="rId5"/>
+    <p:sldId id="765" r:id="rId6"/>
+    <p:sldId id="702" r:id="rId7"/>
+    <p:sldId id="734" r:id="rId8"/>
+    <p:sldId id="706" r:id="rId9"/>
+    <p:sldId id="707" r:id="rId10"/>
+    <p:sldId id="708" r:id="rId11"/>
+    <p:sldId id="739" r:id="rId12"/>
+    <p:sldId id="736" r:id="rId13"/>
+    <p:sldId id="786" r:id="rId14"/>
+    <p:sldId id="738" r:id="rId15"/>
+    <p:sldId id="749" r:id="rId16"/>
+    <p:sldId id="695" r:id="rId17"/>
+    <p:sldId id="696" r:id="rId18"/>
+    <p:sldId id="740" r:id="rId19"/>
+    <p:sldId id="697" r:id="rId20"/>
+    <p:sldId id="741" r:id="rId21"/>
+    <p:sldId id="746" r:id="rId22"/>
+    <p:sldId id="742" r:id="rId23"/>
+    <p:sldId id="743" r:id="rId24"/>
+    <p:sldId id="744" r:id="rId25"/>
+    <p:sldId id="703" r:id="rId26"/>
+    <p:sldId id="771" r:id="rId27"/>
+    <p:sldId id="745" r:id="rId28"/>
+    <p:sldId id="772" r:id="rId29"/>
   </p:sldIdLst>
   <p:sldSz cx="9144000" cy="6858000" type="screen4x3"/>
   <p:notesSz cx="7315200" cy="9601200"/>
   <p:custDataLst>
-    <p:tags r:id="rId35"/>
+    <p:tags r:id="rId33"/>
   </p:custDataLst>
   <p:defaultTextStyle>
     <a:defPPr>
@@ -2617,90 +2615,6 @@
 </p:notes>
 </file>
 
-<file path=ppt/notesSlides/notesSlide29.xml><?xml version="1.0" encoding="utf-8"?>
-<p:notes xmlns:a="http://schemas.openxmlformats.org/drawingml/2006/main" xmlns:r="http://schemas.openxmlformats.org/officeDocument/2006/relationships" xmlns:p="http://schemas.openxmlformats.org/presentationml/2006/main">
-  <p:cSld>
-    <p:spTree>
-      <p:nvGrpSpPr>
-        <p:cNvPr id="1" name=""/>
-        <p:cNvGrpSpPr/>
-        <p:nvPr/>
-      </p:nvGrpSpPr>
-      <p:grpSpPr>
-        <a:xfrm>
-          <a:off x="0" y="0"/>
-          <a:ext cx="0" cy="0"/>
-          <a:chOff x="0" y="0"/>
-          <a:chExt cx="0" cy="0"/>
-        </a:xfrm>
-      </p:grpSpPr>
-      <p:sp>
-        <p:nvSpPr>
-          <p:cNvPr id="7" name="Rectangle 7"/>
-          <p:cNvSpPr>
-            <a:spLocks noGrp="1" noChangeArrowheads="1"/>
-          </p:cNvSpPr>
-          <p:nvPr>
-            <p:ph type="sldNum" sz="quarter" idx="5"/>
-          </p:nvPr>
-        </p:nvSpPr>
-        <p:spPr>
-          <a:ln/>
-        </p:spPr>
-        <p:txBody>
-          <a:bodyPr/>
-          <a:lstStyle/>
-          <a:p>
-            <a:fld id="{95C544F9-5295-4B65-BDA8-0C45EE7D8852}" type="slidenum">
-              <a:rPr lang="en-US"/>
-              <a:pPr/>
-              <a:t>29</a:t>
-            </a:fld>
-            <a:endParaRPr lang="en-US"/>
-          </a:p>
-        </p:txBody>
-      </p:sp>
-      <p:sp>
-        <p:nvSpPr>
-          <p:cNvPr id="616450" name="Rectangle 2"/>
-          <p:cNvSpPr>
-            <a:spLocks noGrp="1" noRot="1" noChangeAspect="1" noChangeArrowheads="1" noTextEdit="1"/>
-          </p:cNvSpPr>
-          <p:nvPr>
-            <p:ph type="sldImg"/>
-          </p:nvPr>
-        </p:nvSpPr>
-        <p:spPr>
-          <a:ln/>
-        </p:spPr>
-      </p:sp>
-      <p:sp>
-        <p:nvSpPr>
-          <p:cNvPr id="616451" name="Rectangle 3"/>
-          <p:cNvSpPr>
-            <a:spLocks noGrp="1" noChangeArrowheads="1"/>
-          </p:cNvSpPr>
-          <p:nvPr>
-            <p:ph type="body" idx="1"/>
-          </p:nvPr>
-        </p:nvSpPr>
-        <p:spPr/>
-        <p:txBody>
-          <a:bodyPr/>
-          <a:lstStyle/>
-          <a:p>
-            <a:endParaRPr lang="en-US"/>
-          </a:p>
-        </p:txBody>
-      </p:sp>
-    </p:spTree>
-  </p:cSld>
-  <p:clrMapOvr>
-    <a:masterClrMapping/>
-  </p:clrMapOvr>
-</p:notes>
-</file>
-
 <file path=ppt/notesSlides/notesSlide3.xml><?xml version="1.0" encoding="utf-8"?>
 <p:notes xmlns:a="http://schemas.openxmlformats.org/drawingml/2006/main" xmlns:r="http://schemas.openxmlformats.org/officeDocument/2006/relationships" xmlns:p="http://schemas.openxmlformats.org/presentationml/2006/main">
   <p:cSld>
@@ -3396,318 +3310,15 @@
             </a:r>
             <a:r>
               <a:rPr lang="en-US" dirty="0" smtClean="0"/>
-              <a:t> 8M.</a:t>
+              <a:t> </a:t>
+            </a:r>
+            <a:r>
+              <a:rPr lang="en-US" dirty="0" smtClean="0"/>
+              <a:t>7W.</a:t>
             </a:r>
             <a:fld id="{2AF49EA3-B1C2-4437-84E9-F0A2054D847B}" type="slidenum">
               <a:rPr lang="en-US" smtClean="0"/>
               <a:pPr/>
-              <a:t>‹#›</a:t>
-            </a:fld>
-            <a:endParaRPr lang="en-US" dirty="0"/>
-          </a:p>
-        </p:txBody>
-      </p:sp>
-    </p:spTree>
-  </p:cSld>
-  <p:clrMapOvr>
-    <a:masterClrMapping/>
-  </p:clrMapOvr>
-  <p:timing>
-    <p:tnLst>
-      <p:par>
-        <p:cTn xmlns:p14="http://schemas.microsoft.com/office/powerpoint/2010/main" id="1" dur="indefinite" restart="never" nodeType="tmRoot"/>
-      </p:par>
-    </p:tnLst>
-  </p:timing>
-</p:sldLayout>
-</file>
-
-<file path=ppt/slideLayouts/slideLayout10.xml><?xml version="1.0" encoding="utf-8"?>
-<p:sldLayout xmlns:a="http://schemas.openxmlformats.org/drawingml/2006/main" xmlns:r="http://schemas.openxmlformats.org/officeDocument/2006/relationships" xmlns:p="http://schemas.openxmlformats.org/presentationml/2006/main" type="blank" preserve="1">
-  <p:cSld name="Blank">
-    <p:spTree>
-      <p:nvGrpSpPr>
-        <p:cNvPr id="1" name=""/>
-        <p:cNvGrpSpPr/>
-        <p:nvPr/>
-      </p:nvGrpSpPr>
-      <p:grpSpPr>
-        <a:xfrm>
-          <a:off x="0" y="0"/>
-          <a:ext cx="0" cy="0"/>
-          <a:chOff x="0" y="0"/>
-          <a:chExt cx="0" cy="0"/>
-        </a:xfrm>
-      </p:grpSpPr>
-      <p:sp>
-        <p:nvSpPr>
-          <p:cNvPr id="2" name="Rectangle 11"/>
-          <p:cNvSpPr>
-            <a:spLocks noGrp="1" noChangeArrowheads="1"/>
-          </p:cNvSpPr>
-          <p:nvPr>
-            <p:ph type="sldNum" sz="quarter" idx="10"/>
-          </p:nvPr>
-        </p:nvSpPr>
-        <p:spPr>
-          <a:ln/>
-        </p:spPr>
-        <p:txBody>
-          <a:bodyPr/>
-          <a:lstStyle>
-            <a:lvl1pPr>
-              <a:defRPr/>
-            </a:lvl1pPr>
-          </a:lstStyle>
-          <a:p>
-            <a:pPr>
-              <a:defRPr/>
-            </a:pPr>
-            <a:r>
-              <a:rPr lang="en-US" dirty="0" err="1"/>
-              <a:t>lec</a:t>
-            </a:r>
-            <a:r>
-              <a:rPr lang="en-US" dirty="0" smtClean="0"/>
-              <a:t> 8M.</a:t>
-            </a:r>
-            <a:fld id="{03FA38D7-FC4B-409C-BF09-87DC9513A286}" type="slidenum">
-              <a:rPr lang="en-US" smtClean="0"/>
-              <a:pPr>
-                <a:defRPr/>
-              </a:pPr>
-              <a:t>‹#›</a:t>
-            </a:fld>
-            <a:endParaRPr lang="en-US" dirty="0"/>
-          </a:p>
-        </p:txBody>
-      </p:sp>
-    </p:spTree>
-  </p:cSld>
-  <p:clrMapOvr>
-    <a:masterClrMapping/>
-  </p:clrMapOvr>
-  <p:timing>
-    <p:tnLst>
-      <p:par>
-        <p:cTn xmlns:p14="http://schemas.microsoft.com/office/powerpoint/2010/main" id="1" dur="indefinite" restart="never" nodeType="tmRoot"/>
-      </p:par>
-    </p:tnLst>
-  </p:timing>
-</p:sldLayout>
-</file>
-
-<file path=ppt/slideLayouts/slideLayout11.xml><?xml version="1.0" encoding="utf-8"?>
-<p:sldLayout xmlns:a="http://schemas.openxmlformats.org/drawingml/2006/main" xmlns:r="http://schemas.openxmlformats.org/officeDocument/2006/relationships" xmlns:p="http://schemas.openxmlformats.org/presentationml/2006/main" type="picTx" preserve="1">
-  <p:cSld name="Picture with Caption">
-    <p:spTree>
-      <p:nvGrpSpPr>
-        <p:cNvPr id="1" name=""/>
-        <p:cNvGrpSpPr/>
-        <p:nvPr/>
-      </p:nvGrpSpPr>
-      <p:grpSpPr>
-        <a:xfrm>
-          <a:off x="0" y="0"/>
-          <a:ext cx="0" cy="0"/>
-          <a:chOff x="0" y="0"/>
-          <a:chExt cx="0" cy="0"/>
-        </a:xfrm>
-      </p:grpSpPr>
-      <p:sp>
-        <p:nvSpPr>
-          <p:cNvPr id="2" name="Title 1"/>
-          <p:cNvSpPr>
-            <a:spLocks noGrp="1"/>
-          </p:cNvSpPr>
-          <p:nvPr>
-            <p:ph type="title"/>
-          </p:nvPr>
-        </p:nvSpPr>
-        <p:spPr>
-          <a:xfrm>
-            <a:off x="1792288" y="4800600"/>
-            <a:ext cx="5486400" cy="566738"/>
-          </a:xfrm>
-        </p:spPr>
-        <p:txBody>
-          <a:bodyPr anchor="b"/>
-          <a:lstStyle>
-            <a:lvl1pPr algn="l">
-              <a:defRPr sz="2000" b="1"/>
-            </a:lvl1pPr>
-          </a:lstStyle>
-          <a:p>
-            <a:r>
-              <a:rPr lang="en-US" smtClean="0"/>
-              <a:t>Click to edit Master title style</a:t>
-            </a:r>
-            <a:endParaRPr lang="en-US"/>
-          </a:p>
-        </p:txBody>
-      </p:sp>
-      <p:sp>
-        <p:nvSpPr>
-          <p:cNvPr id="3" name="Picture Placeholder 2"/>
-          <p:cNvSpPr>
-            <a:spLocks noGrp="1"/>
-          </p:cNvSpPr>
-          <p:nvPr>
-            <p:ph type="pic" idx="1"/>
-          </p:nvPr>
-        </p:nvSpPr>
-        <p:spPr>
-          <a:xfrm>
-            <a:off x="1792288" y="612775"/>
-            <a:ext cx="5486400" cy="4114800"/>
-          </a:xfrm>
-        </p:spPr>
-        <p:txBody>
-          <a:bodyPr/>
-          <a:lstStyle>
-            <a:lvl1pPr marL="0" indent="0">
-              <a:buNone/>
-              <a:defRPr sz="3200"/>
-            </a:lvl1pPr>
-            <a:lvl2pPr marL="457200" indent="0">
-              <a:buNone/>
-              <a:defRPr sz="2800"/>
-            </a:lvl2pPr>
-            <a:lvl3pPr marL="914400" indent="0">
-              <a:buNone/>
-              <a:defRPr sz="2400"/>
-            </a:lvl3pPr>
-            <a:lvl4pPr marL="1371600" indent="0">
-              <a:buNone/>
-              <a:defRPr sz="2000"/>
-            </a:lvl4pPr>
-            <a:lvl5pPr marL="1828800" indent="0">
-              <a:buNone/>
-              <a:defRPr sz="2000"/>
-            </a:lvl5pPr>
-            <a:lvl6pPr marL="2286000" indent="0">
-              <a:buNone/>
-              <a:defRPr sz="2000"/>
-            </a:lvl6pPr>
-            <a:lvl7pPr marL="2743200" indent="0">
-              <a:buNone/>
-              <a:defRPr sz="2000"/>
-            </a:lvl7pPr>
-            <a:lvl8pPr marL="3200400" indent="0">
-              <a:buNone/>
-              <a:defRPr sz="2000"/>
-            </a:lvl8pPr>
-            <a:lvl9pPr marL="3657600" indent="0">
-              <a:buNone/>
-              <a:defRPr sz="2000"/>
-            </a:lvl9pPr>
-          </a:lstStyle>
-          <a:p>
-            <a:pPr lvl="0"/>
-            <a:endParaRPr lang="en-US" noProof="0" smtClean="0"/>
-          </a:p>
-        </p:txBody>
-      </p:sp>
-      <p:sp>
-        <p:nvSpPr>
-          <p:cNvPr id="4" name="Text Placeholder 3"/>
-          <p:cNvSpPr>
-            <a:spLocks noGrp="1"/>
-          </p:cNvSpPr>
-          <p:nvPr>
-            <p:ph type="body" sz="half" idx="2"/>
-          </p:nvPr>
-        </p:nvSpPr>
-        <p:spPr>
-          <a:xfrm>
-            <a:off x="1792288" y="5367338"/>
-            <a:ext cx="5486400" cy="804862"/>
-          </a:xfrm>
-        </p:spPr>
-        <p:txBody>
-          <a:bodyPr/>
-          <a:lstStyle>
-            <a:lvl1pPr marL="0" indent="0">
-              <a:buNone/>
-              <a:defRPr sz="1400"/>
-            </a:lvl1pPr>
-            <a:lvl2pPr marL="457200" indent="0">
-              <a:buNone/>
-              <a:defRPr sz="1200"/>
-            </a:lvl2pPr>
-            <a:lvl3pPr marL="914400" indent="0">
-              <a:buNone/>
-              <a:defRPr sz="1000"/>
-            </a:lvl3pPr>
-            <a:lvl4pPr marL="1371600" indent="0">
-              <a:buNone/>
-              <a:defRPr sz="900"/>
-            </a:lvl4pPr>
-            <a:lvl5pPr marL="1828800" indent="0">
-              <a:buNone/>
-              <a:defRPr sz="900"/>
-            </a:lvl5pPr>
-            <a:lvl6pPr marL="2286000" indent="0">
-              <a:buNone/>
-              <a:defRPr sz="900"/>
-            </a:lvl6pPr>
-            <a:lvl7pPr marL="2743200" indent="0">
-              <a:buNone/>
-              <a:defRPr sz="900"/>
-            </a:lvl7pPr>
-            <a:lvl8pPr marL="3200400" indent="0">
-              <a:buNone/>
-              <a:defRPr sz="900"/>
-            </a:lvl8pPr>
-            <a:lvl9pPr marL="3657600" indent="0">
-              <a:buNone/>
-              <a:defRPr sz="900"/>
-            </a:lvl9pPr>
-          </a:lstStyle>
-          <a:p>
-            <a:pPr lvl="0"/>
-            <a:r>
-              <a:rPr lang="en-US" smtClean="0"/>
-              <a:t>Click to edit Master text styles</a:t>
-            </a:r>
-          </a:p>
-        </p:txBody>
-      </p:sp>
-      <p:sp>
-        <p:nvSpPr>
-          <p:cNvPr id="5" name="Rectangle 11"/>
-          <p:cNvSpPr>
-            <a:spLocks noGrp="1" noChangeArrowheads="1"/>
-          </p:cNvSpPr>
-          <p:nvPr>
-            <p:ph type="sldNum" sz="quarter" idx="10"/>
-          </p:nvPr>
-        </p:nvSpPr>
-        <p:spPr/>
-        <p:txBody>
-          <a:bodyPr/>
-          <a:lstStyle>
-            <a:lvl1pPr>
-              <a:defRPr/>
-            </a:lvl1pPr>
-          </a:lstStyle>
-          <a:p>
-            <a:pPr>
-              <a:defRPr/>
-            </a:pPr>
-            <a:r>
-              <a:rPr lang="en-US" dirty="0" err="1"/>
-              <a:t>lec</a:t>
-            </a:r>
-            <a:r>
-              <a:rPr lang="en-US" dirty="0" smtClean="0"/>
-              <a:t> 8M.</a:t>
-            </a:r>
-            <a:fld id="{CE7090F7-0A66-45DA-8B16-6E98536F68F9}" type="slidenum">
-              <a:rPr lang="en-US" smtClean="0"/>
-              <a:pPr>
-                <a:defRPr/>
-              </a:pPr>
               <a:t>‹#›</a:t>
             </a:fld>
             <a:endParaRPr lang="en-US" dirty="0"/>
@@ -3846,7 +3457,11 @@
             </a:r>
             <a:r>
               <a:rPr lang="en-US" dirty="0" smtClean="0"/>
-              <a:t> 8M.</a:t>
+              <a:t> </a:t>
+            </a:r>
+            <a:r>
+              <a:rPr lang="en-US" dirty="0" smtClean="0"/>
+              <a:t>7W.</a:t>
             </a:r>
             <a:fld id="{96F619E6-6DF7-40A3-ABA3-08075F9C9DE7}" type="slidenum">
               <a:rPr lang="en-US" smtClean="0"/>
@@ -4011,7 +3626,11 @@
             </a:r>
             <a:r>
               <a:rPr lang="en-US" dirty="0" smtClean="0"/>
-              <a:t> 8M.</a:t>
+              <a:t> </a:t>
+            </a:r>
+            <a:r>
+              <a:rPr lang="en-US" dirty="0" smtClean="0"/>
+              <a:t>7W.</a:t>
             </a:r>
             <a:fld id="{23581F62-E8B7-48F2-9B8D-F880FB41BDA1}" type="slidenum">
               <a:rPr lang="en-US" smtClean="0"/>
@@ -4102,7 +3721,11 @@
             </a:r>
             <a:r>
               <a:rPr lang="en-US" dirty="0" smtClean="0"/>
-              <a:t> 8M.</a:t>
+              <a:t> </a:t>
+            </a:r>
+            <a:r>
+              <a:rPr lang="en-US" dirty="0" smtClean="0"/>
+              <a:t>7W.</a:t>
             </a:r>
             <a:fld id="{0D9BACEC-3AFE-4D6A-95F7-22928FA1E0D4}" type="slidenum">
               <a:rPr lang="en-US" smtClean="0"/>
@@ -4170,7 +3793,11 @@
             </a:r>
             <a:r>
               <a:rPr lang="en-US" dirty="0" smtClean="0"/>
-              <a:t> 8M.</a:t>
+              <a:t> </a:t>
+            </a:r>
+            <a:r>
+              <a:rPr lang="en-US" dirty="0" smtClean="0"/>
+              <a:t>7W.</a:t>
             </a:r>
             <a:fld id="{F6BE0579-943A-465D-AC8F-BB4FC82F6263}" type="slidenum">
               <a:rPr lang="en-US" smtClean="0"/>
@@ -4396,427 +4023,15 @@
             </a:r>
             <a:r>
               <a:rPr lang="en-US" dirty="0" smtClean="0"/>
-              <a:t> 8M.</a:t>
+              <a:t> </a:t>
+            </a:r>
+            <a:r>
+              <a:rPr lang="en-US" dirty="0" smtClean="0"/>
+              <a:t>7W.</a:t>
             </a:r>
             <a:fld id="{9ABFFDF2-8EF6-4F3E-BC91-5F16E330E069}" type="slidenum">
               <a:rPr lang="en-US" smtClean="0"/>
               <a:pPr/>
-              <a:t>‹#›</a:t>
-            </a:fld>
-            <a:endParaRPr lang="en-US" dirty="0"/>
-          </a:p>
-        </p:txBody>
-      </p:sp>
-    </p:spTree>
-  </p:cSld>
-  <p:clrMapOvr>
-    <a:masterClrMapping/>
-  </p:clrMapOvr>
-  <p:timing>
-    <p:tnLst>
-      <p:par>
-        <p:cTn xmlns:p14="http://schemas.microsoft.com/office/powerpoint/2010/main" id="1" dur="indefinite" restart="never" nodeType="tmRoot"/>
-      </p:par>
-    </p:tnLst>
-  </p:timing>
-</p:sldLayout>
-</file>
-
-<file path=ppt/slideLayouts/slideLayout7.xml><?xml version="1.0" encoding="utf-8"?>
-<p:sldLayout xmlns:a="http://schemas.openxmlformats.org/drawingml/2006/main" xmlns:r="http://schemas.openxmlformats.org/officeDocument/2006/relationships" xmlns:p="http://schemas.openxmlformats.org/presentationml/2006/main" type="title" preserve="1">
-  <p:cSld name="Title Slide">
-    <p:spTree>
-      <p:nvGrpSpPr>
-        <p:cNvPr id="1" name=""/>
-        <p:cNvGrpSpPr/>
-        <p:nvPr/>
-      </p:nvGrpSpPr>
-      <p:grpSpPr>
-        <a:xfrm>
-          <a:off x="0" y="0"/>
-          <a:ext cx="0" cy="0"/>
-          <a:chOff x="0" y="0"/>
-          <a:chExt cx="0" cy="0"/>
-        </a:xfrm>
-      </p:grpSpPr>
-      <p:sp>
-        <p:nvSpPr>
-          <p:cNvPr id="2" name="Title 1"/>
-          <p:cNvSpPr>
-            <a:spLocks noGrp="1"/>
-          </p:cNvSpPr>
-          <p:nvPr>
-            <p:ph type="ctrTitle"/>
-          </p:nvPr>
-        </p:nvSpPr>
-        <p:spPr>
-          <a:xfrm>
-            <a:off x="685800" y="2130425"/>
-            <a:ext cx="7772400" cy="1470025"/>
-          </a:xfrm>
-        </p:spPr>
-        <p:txBody>
-          <a:bodyPr/>
-          <a:lstStyle/>
-          <a:p>
-            <a:r>
-              <a:rPr lang="en-US" smtClean="0"/>
-              <a:t>Click to edit Master title style</a:t>
-            </a:r>
-            <a:endParaRPr lang="en-US"/>
-          </a:p>
-        </p:txBody>
-      </p:sp>
-      <p:sp>
-        <p:nvSpPr>
-          <p:cNvPr id="3" name="Subtitle 2"/>
-          <p:cNvSpPr>
-            <a:spLocks noGrp="1"/>
-          </p:cNvSpPr>
-          <p:nvPr>
-            <p:ph type="subTitle" idx="1"/>
-          </p:nvPr>
-        </p:nvSpPr>
-        <p:spPr>
-          <a:xfrm>
-            <a:off x="1371600" y="3886200"/>
-            <a:ext cx="6400800" cy="1752600"/>
-          </a:xfrm>
-        </p:spPr>
-        <p:txBody>
-          <a:bodyPr/>
-          <a:lstStyle>
-            <a:lvl1pPr marL="0" indent="0" algn="ctr">
-              <a:buNone/>
-              <a:defRPr/>
-            </a:lvl1pPr>
-            <a:lvl2pPr marL="457200" indent="0" algn="ctr">
-              <a:buNone/>
-              <a:defRPr/>
-            </a:lvl2pPr>
-            <a:lvl3pPr marL="914400" indent="0" algn="ctr">
-              <a:buNone/>
-              <a:defRPr/>
-            </a:lvl3pPr>
-            <a:lvl4pPr marL="1371600" indent="0" algn="ctr">
-              <a:buNone/>
-              <a:defRPr/>
-            </a:lvl4pPr>
-            <a:lvl5pPr marL="1828800" indent="0" algn="ctr">
-              <a:buNone/>
-              <a:defRPr/>
-            </a:lvl5pPr>
-            <a:lvl6pPr marL="2286000" indent="0" algn="ctr">
-              <a:buNone/>
-              <a:defRPr/>
-            </a:lvl6pPr>
-            <a:lvl7pPr marL="2743200" indent="0" algn="ctr">
-              <a:buNone/>
-              <a:defRPr/>
-            </a:lvl7pPr>
-            <a:lvl8pPr marL="3200400" indent="0" algn="ctr">
-              <a:buNone/>
-              <a:defRPr/>
-            </a:lvl8pPr>
-            <a:lvl9pPr marL="3657600" indent="0" algn="ctr">
-              <a:buNone/>
-              <a:defRPr/>
-            </a:lvl9pPr>
-          </a:lstStyle>
-          <a:p>
-            <a:r>
-              <a:rPr lang="en-US" smtClean="0"/>
-              <a:t>Click to edit Master subtitle style</a:t>
-            </a:r>
-            <a:endParaRPr lang="en-US"/>
-          </a:p>
-        </p:txBody>
-      </p:sp>
-      <p:sp>
-        <p:nvSpPr>
-          <p:cNvPr id="4" name="Rectangle 11"/>
-          <p:cNvSpPr>
-            <a:spLocks noGrp="1" noChangeArrowheads="1"/>
-          </p:cNvSpPr>
-          <p:nvPr>
-            <p:ph type="sldNum" sz="quarter" idx="10"/>
-          </p:nvPr>
-        </p:nvSpPr>
-        <p:spPr>
-          <a:ln/>
-        </p:spPr>
-        <p:txBody>
-          <a:bodyPr/>
-          <a:lstStyle>
-            <a:lvl1pPr>
-              <a:defRPr/>
-            </a:lvl1pPr>
-          </a:lstStyle>
-          <a:p>
-            <a:pPr>
-              <a:defRPr/>
-            </a:pPr>
-            <a:r>
-              <a:rPr lang="en-US" dirty="0" err="1" smtClean="0"/>
-              <a:t>lec</a:t>
-            </a:r>
-            <a:r>
-              <a:rPr lang="en-US" dirty="0" smtClean="0"/>
-              <a:t> 8M.</a:t>
-            </a:r>
-            <a:fld id="{1411C1AC-AFEC-49C2-A4DB-6DB9A4610281}" type="slidenum">
-              <a:rPr lang="en-US" smtClean="0"/>
-              <a:pPr>
-                <a:defRPr/>
-              </a:pPr>
-              <a:t>‹#›</a:t>
-            </a:fld>
-            <a:endParaRPr lang="en-US" dirty="0"/>
-          </a:p>
-        </p:txBody>
-      </p:sp>
-    </p:spTree>
-  </p:cSld>
-  <p:clrMapOvr>
-    <a:masterClrMapping/>
-  </p:clrMapOvr>
-  <p:timing>
-    <p:tnLst>
-      <p:par>
-        <p:cTn xmlns:p14="http://schemas.microsoft.com/office/powerpoint/2010/main" id="1" dur="indefinite" restart="never" nodeType="tmRoot"/>
-      </p:par>
-    </p:tnLst>
-  </p:timing>
-</p:sldLayout>
-</file>
-
-<file path=ppt/slideLayouts/slideLayout8.xml><?xml version="1.0" encoding="utf-8"?>
-<p:sldLayout xmlns:a="http://schemas.openxmlformats.org/drawingml/2006/main" xmlns:r="http://schemas.openxmlformats.org/officeDocument/2006/relationships" xmlns:p="http://schemas.openxmlformats.org/presentationml/2006/main" type="obj" preserve="1">
-  <p:cSld name="Title and Content">
-    <p:spTree>
-      <p:nvGrpSpPr>
-        <p:cNvPr id="1" name=""/>
-        <p:cNvGrpSpPr/>
-        <p:nvPr/>
-      </p:nvGrpSpPr>
-      <p:grpSpPr>
-        <a:xfrm>
-          <a:off x="0" y="0"/>
-          <a:ext cx="0" cy="0"/>
-          <a:chOff x="0" y="0"/>
-          <a:chExt cx="0" cy="0"/>
-        </a:xfrm>
-      </p:grpSpPr>
-      <p:sp>
-        <p:nvSpPr>
-          <p:cNvPr id="2" name="Title 1"/>
-          <p:cNvSpPr>
-            <a:spLocks noGrp="1"/>
-          </p:cNvSpPr>
-          <p:nvPr>
-            <p:ph type="title"/>
-          </p:nvPr>
-        </p:nvSpPr>
-        <p:spPr/>
-        <p:txBody>
-          <a:bodyPr/>
-          <a:lstStyle/>
-          <a:p>
-            <a:r>
-              <a:rPr lang="en-US" smtClean="0"/>
-              <a:t>Click to edit Master title style</a:t>
-            </a:r>
-            <a:endParaRPr lang="en-US"/>
-          </a:p>
-        </p:txBody>
-      </p:sp>
-      <p:sp>
-        <p:nvSpPr>
-          <p:cNvPr id="3" name="Content Placeholder 2"/>
-          <p:cNvSpPr>
-            <a:spLocks noGrp="1"/>
-          </p:cNvSpPr>
-          <p:nvPr>
-            <p:ph idx="1"/>
-          </p:nvPr>
-        </p:nvSpPr>
-        <p:spPr/>
-        <p:txBody>
-          <a:bodyPr/>
-          <a:lstStyle/>
-          <a:p>
-            <a:pPr lvl="0"/>
-            <a:r>
-              <a:rPr lang="en-US" smtClean="0"/>
-              <a:t>Click to edit Master text styles</a:t>
-            </a:r>
-          </a:p>
-          <a:p>
-            <a:pPr lvl="1"/>
-            <a:r>
-              <a:rPr lang="en-US" smtClean="0"/>
-              <a:t>Second level</a:t>
-            </a:r>
-          </a:p>
-          <a:p>
-            <a:pPr lvl="2"/>
-            <a:r>
-              <a:rPr lang="en-US" smtClean="0"/>
-              <a:t>Third level</a:t>
-            </a:r>
-          </a:p>
-          <a:p>
-            <a:pPr lvl="3"/>
-            <a:r>
-              <a:rPr lang="en-US" smtClean="0"/>
-              <a:t>Fourth level</a:t>
-            </a:r>
-          </a:p>
-          <a:p>
-            <a:pPr lvl="4"/>
-            <a:r>
-              <a:rPr lang="en-US" smtClean="0"/>
-              <a:t>Fifth level</a:t>
-            </a:r>
-            <a:endParaRPr lang="en-US"/>
-          </a:p>
-        </p:txBody>
-      </p:sp>
-      <p:sp>
-        <p:nvSpPr>
-          <p:cNvPr id="4" name="Rectangle 11"/>
-          <p:cNvSpPr>
-            <a:spLocks noGrp="1" noChangeArrowheads="1"/>
-          </p:cNvSpPr>
-          <p:nvPr>
-            <p:ph type="sldNum" sz="quarter" idx="10"/>
-          </p:nvPr>
-        </p:nvSpPr>
-        <p:spPr>
-          <a:ln/>
-        </p:spPr>
-        <p:txBody>
-          <a:bodyPr/>
-          <a:lstStyle>
-            <a:lvl1pPr>
-              <a:defRPr/>
-            </a:lvl1pPr>
-          </a:lstStyle>
-          <a:p>
-            <a:pPr>
-              <a:defRPr/>
-            </a:pPr>
-            <a:r>
-              <a:rPr lang="en-US" dirty="0" err="1" smtClean="0"/>
-              <a:t>lec</a:t>
-            </a:r>
-            <a:r>
-              <a:rPr lang="en-US" dirty="0" smtClean="0"/>
-              <a:t> 8M.</a:t>
-            </a:r>
-            <a:fld id="{54FC5BA4-4A2B-46CF-88E0-09AFB3EDD392}" type="slidenum">
-              <a:rPr lang="en-US" smtClean="0"/>
-              <a:pPr>
-                <a:defRPr/>
-              </a:pPr>
-              <a:t>‹#›</a:t>
-            </a:fld>
-            <a:endParaRPr lang="en-US" dirty="0"/>
-          </a:p>
-        </p:txBody>
-      </p:sp>
-    </p:spTree>
-  </p:cSld>
-  <p:clrMapOvr>
-    <a:masterClrMapping/>
-  </p:clrMapOvr>
-  <p:timing>
-    <p:tnLst>
-      <p:par>
-        <p:cTn xmlns:p14="http://schemas.microsoft.com/office/powerpoint/2010/main" id="1" dur="indefinite" restart="never" nodeType="tmRoot"/>
-      </p:par>
-    </p:tnLst>
-  </p:timing>
-</p:sldLayout>
-</file>
-
-<file path=ppt/slideLayouts/slideLayout9.xml><?xml version="1.0" encoding="utf-8"?>
-<p:sldLayout xmlns:a="http://schemas.openxmlformats.org/drawingml/2006/main" xmlns:r="http://schemas.openxmlformats.org/officeDocument/2006/relationships" xmlns:p="http://schemas.openxmlformats.org/presentationml/2006/main" type="titleOnly" preserve="1">
-  <p:cSld name="Title Only">
-    <p:spTree>
-      <p:nvGrpSpPr>
-        <p:cNvPr id="1" name=""/>
-        <p:cNvGrpSpPr/>
-        <p:nvPr/>
-      </p:nvGrpSpPr>
-      <p:grpSpPr>
-        <a:xfrm>
-          <a:off x="0" y="0"/>
-          <a:ext cx="0" cy="0"/>
-          <a:chOff x="0" y="0"/>
-          <a:chExt cx="0" cy="0"/>
-        </a:xfrm>
-      </p:grpSpPr>
-      <p:sp>
-        <p:nvSpPr>
-          <p:cNvPr id="2" name="Title 1"/>
-          <p:cNvSpPr>
-            <a:spLocks noGrp="1"/>
-          </p:cNvSpPr>
-          <p:nvPr>
-            <p:ph type="title"/>
-          </p:nvPr>
-        </p:nvSpPr>
-        <p:spPr/>
-        <p:txBody>
-          <a:bodyPr/>
-          <a:lstStyle/>
-          <a:p>
-            <a:r>
-              <a:rPr lang="en-US" smtClean="0"/>
-              <a:t>Click to edit Master title style</a:t>
-            </a:r>
-            <a:endParaRPr lang="en-US"/>
-          </a:p>
-        </p:txBody>
-      </p:sp>
-      <p:sp>
-        <p:nvSpPr>
-          <p:cNvPr id="3" name="Rectangle 11"/>
-          <p:cNvSpPr>
-            <a:spLocks noGrp="1" noChangeArrowheads="1"/>
-          </p:cNvSpPr>
-          <p:nvPr>
-            <p:ph type="sldNum" sz="quarter" idx="10"/>
-          </p:nvPr>
-        </p:nvSpPr>
-        <p:spPr>
-          <a:ln/>
-        </p:spPr>
-        <p:txBody>
-          <a:bodyPr/>
-          <a:lstStyle>
-            <a:lvl1pPr>
-              <a:defRPr/>
-            </a:lvl1pPr>
-          </a:lstStyle>
-          <a:p>
-            <a:pPr>
-              <a:defRPr/>
-            </a:pPr>
-            <a:r>
-              <a:rPr lang="en-US" dirty="0" err="1" smtClean="0"/>
-              <a:t>lec</a:t>
-            </a:r>
-            <a:r>
-              <a:rPr lang="en-US" dirty="0" smtClean="0"/>
-              <a:t> 8M.</a:t>
-            </a:r>
-            <a:fld id="{1F620FA0-E02D-432F-B1A1-B885B2F690E6}" type="slidenum">
-              <a:rPr lang="en-US" smtClean="0"/>
-              <a:pPr>
-                <a:defRPr/>
-              </a:pPr>
               <a:t>‹#›</a:t>
             </a:fld>
             <a:endParaRPr lang="en-US" dirty="0"/>
@@ -5025,8 +4240,16 @@
           </a:lstStyle>
           <a:p>
             <a:r>
+              <a:rPr lang="en-US" dirty="0" err="1" smtClean="0"/>
+              <a:t>lec</a:t>
+            </a:r>
+            <a:r>
               <a:rPr lang="en-US" dirty="0" smtClean="0"/>
-              <a:t>lec 8M.</a:t>
+              <a:t> </a:t>
+            </a:r>
+            <a:r>
+              <a:rPr lang="en-US" dirty="0" smtClean="0"/>
+              <a:t>7W.</a:t>
             </a:r>
             <a:fld id="{EA14F88D-777A-4299-8570-DC348E624953}" type="slidenum">
               <a:rPr lang="en-US" smtClean="0"/>
@@ -5098,19 +4321,25 @@
               <a:rPr lang="en-US" sz="1200" dirty="0" smtClean="0">
                 <a:latin typeface="Comic Sans MS" pitchFamily="66" charset="0"/>
               </a:rPr>
-              <a:t>Meyer     October</a:t>
+              <a:t>Meyer     </a:t>
+            </a:r>
+            <a:r>
+              <a:rPr lang="en-US" sz="1200" dirty="0" smtClean="0">
+                <a:latin typeface="Comic Sans MS" pitchFamily="66" charset="0"/>
+              </a:rPr>
+              <a:t>March</a:t>
             </a:r>
             <a:r>
               <a:rPr lang="en-US" sz="1200" baseline="0" dirty="0" smtClean="0">
                 <a:latin typeface="Comic Sans MS" pitchFamily="66" charset="0"/>
               </a:rPr>
-              <a:t> 24,</a:t>
+              <a:t> 21,</a:t>
             </a:r>
             <a:r>
               <a:rPr lang="en-US" sz="1200" dirty="0" smtClean="0">
                 <a:latin typeface="Comic Sans MS" pitchFamily="66" charset="0"/>
               </a:rPr>
-              <a:t> 2011</a:t>
+              <a:t> 2012</a:t>
             </a:r>
             <a:endParaRPr lang="en-US" sz="1200" dirty="0">
               <a:latin typeface="Comic Sans MS" pitchFamily="66" charset="0"/>
@@ -5538,736 +4767,6 @@
 </p:sldMaster>
 </file>
 
-<file path=ppt/slideMasters/slideMaster2.xml><?xml version="1.0" encoding="utf-8"?>
-<p:sldMaster xmlns:a="http://schemas.openxmlformats.org/drawingml/2006/main" xmlns:r="http://schemas.openxmlformats.org/officeDocument/2006/relationships" xmlns:p="http://schemas.openxmlformats.org/presentationml/2006/main">
-  <p:cSld>
-    <p:bg>
-      <p:bgPr>
-        <a:solidFill>
-          <a:schemeClr val="accent1"/>
-        </a:solidFill>
-        <a:effectLst/>
-      </p:bgPr>
-    </p:bg>
-    <p:spTree>
-      <p:nvGrpSpPr>
-        <p:cNvPr id="1" name=""/>
-        <p:cNvGrpSpPr/>
-        <p:nvPr/>
-      </p:nvGrpSpPr>
-      <p:grpSpPr>
-        <a:xfrm>
-          <a:off x="0" y="0"/>
-          <a:ext cx="0" cy="0"/>
-          <a:chOff x="0" y="0"/>
-          <a:chExt cx="0" cy="0"/>
-        </a:xfrm>
-      </p:grpSpPr>
-      <p:sp>
-        <p:nvSpPr>
-          <p:cNvPr id="6146" name="Rectangle 2"/>
-          <p:cNvSpPr>
-            <a:spLocks noGrp="1" noChangeArrowheads="1"/>
-          </p:cNvSpPr>
-          <p:nvPr>
-            <p:ph type="title"/>
-          </p:nvPr>
-        </p:nvSpPr>
-        <p:spPr bwMode="auto">
-          <a:xfrm>
-            <a:off x="1447800" y="0"/>
-            <a:ext cx="7543800" cy="1143000"/>
-          </a:xfrm>
-          <a:prstGeom prst="rect">
-            <a:avLst/>
-          </a:prstGeom>
-          <a:noFill/>
-          <a:ln w="9525">
-            <a:noFill/>
-            <a:miter lim="800000"/>
-            <a:headEnd/>
-            <a:tailEnd/>
-          </a:ln>
-        </p:spPr>
-        <p:txBody>
-          <a:bodyPr vert="horz" wrap="square" lIns="91440" tIns="45720" rIns="91440" bIns="45720" numCol="1" anchor="ctr" anchorCtr="0" compatLnSpc="1">
-            <a:prstTxWarp prst="textNoShape">
-              <a:avLst/>
-            </a:prstTxWarp>
-          </a:bodyPr>
-          <a:lstStyle/>
-          <a:p>
-            <a:pPr lvl="0"/>
-            <a:r>
-              <a:rPr lang="en-US" altLang="zh-CN" smtClean="0"/>
-              <a:t>Click to edit Master title style</a:t>
-            </a:r>
-          </a:p>
-        </p:txBody>
-      </p:sp>
-      <p:sp>
-        <p:nvSpPr>
-          <p:cNvPr id="6147" name="Rectangle 3"/>
-          <p:cNvSpPr>
-            <a:spLocks noGrp="1" noChangeArrowheads="1"/>
-          </p:cNvSpPr>
-          <p:nvPr>
-            <p:ph type="body" idx="1"/>
-          </p:nvPr>
-        </p:nvSpPr>
-        <p:spPr bwMode="auto">
-          <a:xfrm>
-            <a:off x="685800" y="2057400"/>
-            <a:ext cx="7772400" cy="4114800"/>
-          </a:xfrm>
-          <a:prstGeom prst="rect">
-            <a:avLst/>
-          </a:prstGeom>
-          <a:noFill/>
-          <a:ln w="9525">
-            <a:noFill/>
-            <a:miter lim="800000"/>
-            <a:headEnd/>
-            <a:tailEnd/>
-          </a:ln>
-        </p:spPr>
-        <p:txBody>
-          <a:bodyPr vert="horz" wrap="square" lIns="91440" tIns="45720" rIns="91440" bIns="45720" numCol="1" anchor="t" anchorCtr="0" compatLnSpc="1">
-            <a:prstTxWarp prst="textNoShape">
-              <a:avLst/>
-            </a:prstTxWarp>
-          </a:bodyPr>
-          <a:lstStyle/>
-          <a:p>
-            <a:pPr lvl="0"/>
-            <a:r>
-              <a:rPr lang="en-US" altLang="zh-CN" smtClean="0"/>
-              <a:t>Click to edit Master text styles</a:t>
-            </a:r>
-          </a:p>
-          <a:p>
-            <a:pPr lvl="1"/>
-            <a:r>
-              <a:rPr lang="en-US" altLang="zh-CN" smtClean="0"/>
-              <a:t>Second level</a:t>
-            </a:r>
-          </a:p>
-          <a:p>
-            <a:pPr lvl="2"/>
-            <a:r>
-              <a:rPr lang="en-US" altLang="zh-CN" smtClean="0"/>
-              <a:t>Third level</a:t>
-            </a:r>
-          </a:p>
-          <a:p>
-            <a:pPr lvl="3"/>
-            <a:r>
-              <a:rPr lang="en-US" altLang="zh-CN" smtClean="0"/>
-              <a:t>Fourth level</a:t>
-            </a:r>
-          </a:p>
-          <a:p>
-            <a:pPr lvl="4"/>
-            <a:r>
-              <a:rPr lang="en-US" altLang="zh-CN" smtClean="0"/>
-              <a:t>Fifth level</a:t>
-            </a:r>
-          </a:p>
-        </p:txBody>
-      </p:sp>
-      <p:sp>
-        <p:nvSpPr>
-          <p:cNvPr id="12299" name="Rectangle 11"/>
-          <p:cNvSpPr>
-            <a:spLocks noGrp="1" noChangeArrowheads="1"/>
-          </p:cNvSpPr>
-          <p:nvPr>
-            <p:ph type="sldNum" sz="quarter" idx="4"/>
-          </p:nvPr>
-        </p:nvSpPr>
-        <p:spPr bwMode="auto">
-          <a:xfrm>
-            <a:off x="7605713" y="6583363"/>
-            <a:ext cx="1481137" cy="244475"/>
-          </a:xfrm>
-          <a:prstGeom prst="rect">
-            <a:avLst/>
-          </a:prstGeom>
-          <a:noFill/>
-          <a:ln w="9525">
-            <a:noFill/>
-            <a:miter lim="800000"/>
-            <a:headEnd/>
-            <a:tailEnd/>
-          </a:ln>
-          <a:effectLst/>
-        </p:spPr>
-        <p:txBody>
-          <a:bodyPr vert="horz" wrap="square" lIns="91440" tIns="45720" rIns="91440" bIns="45720" numCol="1" anchor="t" anchorCtr="0" compatLnSpc="1">
-            <a:prstTxWarp prst="textNoShape">
-              <a:avLst/>
-            </a:prstTxWarp>
-            <a:spAutoFit/>
-          </a:bodyPr>
-          <a:lstStyle>
-            <a:lvl1pPr algn="r">
-              <a:buNone/>
-              <a:defRPr sz="1000" dirty="0" err="1" smtClean="0">
-                <a:latin typeface="+mj-lt"/>
-              </a:defRPr>
-            </a:lvl1pPr>
-          </a:lstStyle>
-          <a:p>
-            <a:pPr>
-              <a:defRPr/>
-            </a:pPr>
-            <a:r>
-              <a:rPr lang="en-US" dirty="0" err="1" smtClean="0"/>
-              <a:t>lec</a:t>
-            </a:r>
-            <a:r>
-              <a:rPr lang="en-US" dirty="0" smtClean="0"/>
-              <a:t> 8M.</a:t>
-            </a:r>
-            <a:fld id="{1469509F-3470-40DB-914A-049BEEC9D3EB}" type="slidenum">
-              <a:rPr lang="en-US" smtClean="0"/>
-              <a:pPr>
-                <a:defRPr/>
-              </a:pPr>
-              <a:t>‹#›</a:t>
-            </a:fld>
-            <a:endParaRPr lang="en-US" dirty="0"/>
-          </a:p>
-        </p:txBody>
-      </p:sp>
-      <p:pic>
-        <p:nvPicPr>
-          <p:cNvPr id="6149" name="Picture 12" descr="board"/>
-          <p:cNvPicPr>
-            <a:picLocks noChangeAspect="1" noChangeArrowheads="1"/>
-          </p:cNvPicPr>
-          <p:nvPr/>
-        </p:nvPicPr>
-        <p:blipFill>
-          <a:blip r:embed="rId7"/>
-          <a:srcRect/>
-          <a:stretch>
-            <a:fillRect/>
-          </a:stretch>
-        </p:blipFill>
-        <p:spPr bwMode="auto">
-          <a:xfrm>
-            <a:off x="304800" y="152400"/>
-            <a:ext cx="762000" cy="754063"/>
-          </a:xfrm>
-          <a:prstGeom prst="rect">
-            <a:avLst/>
-          </a:prstGeom>
-          <a:noFill/>
-          <a:ln w="9525">
-            <a:noFill/>
-            <a:miter lim="800000"/>
-            <a:headEnd/>
-            <a:tailEnd/>
-          </a:ln>
-        </p:spPr>
-      </p:pic>
-      <p:sp>
-        <p:nvSpPr>
-          <p:cNvPr id="12302" name="Rectangle 14"/>
-          <p:cNvSpPr>
-            <a:spLocks noChangeArrowheads="1"/>
-          </p:cNvSpPr>
-          <p:nvPr/>
-        </p:nvSpPr>
-        <p:spPr bwMode="auto">
-          <a:xfrm>
-            <a:off x="3676650" y="6602413"/>
-            <a:ext cx="1105766" cy="246221"/>
-          </a:xfrm>
-          <a:prstGeom prst="rect">
-            <a:avLst/>
-          </a:prstGeom>
-          <a:noFill/>
-          <a:ln w="9525">
-            <a:noFill/>
-            <a:miter lim="800000"/>
-            <a:headEnd/>
-            <a:tailEnd type="none" w="lg" len="lg"/>
-          </a:ln>
-          <a:effectLst/>
-        </p:spPr>
-        <p:txBody>
-          <a:bodyPr wrap="none">
-            <a:spAutoFit/>
-          </a:bodyPr>
-          <a:lstStyle/>
-          <a:p>
-            <a:pPr>
-              <a:buNone/>
-              <a:defRPr/>
-            </a:pPr>
-            <a:r>
-              <a:rPr lang="en-US" altLang="zh-CN" sz="1000" dirty="0" smtClean="0">
-                <a:latin typeface="Comic Sans MS" pitchFamily="66" charset="0"/>
-                <a:ea typeface="宋体" pitchFamily="2" charset="-122"/>
-              </a:rPr>
-              <a:t>March</a:t>
-            </a:r>
-            <a:r>
-              <a:rPr lang="en-US" altLang="zh-CN" sz="1000" baseline="0" dirty="0" smtClean="0">
-                <a:latin typeface="Comic Sans MS" pitchFamily="66" charset="0"/>
-                <a:ea typeface="宋体" pitchFamily="2" charset="-122"/>
-              </a:rPr>
-              <a:t> </a:t>
-            </a:r>
-            <a:r>
-              <a:rPr lang="en-US" altLang="zh-CN" sz="1000" dirty="0" smtClean="0">
-                <a:latin typeface="Comic Sans MS" pitchFamily="66" charset="0"/>
-                <a:ea typeface="宋体" pitchFamily="2" charset="-122"/>
-              </a:rPr>
-              <a:t>10</a:t>
-            </a:r>
-            <a:r>
-              <a:rPr lang="en-US" altLang="zh-CN" sz="1000" dirty="0">
-                <a:latin typeface="Comic Sans MS" pitchFamily="66" charset="0"/>
-                <a:ea typeface="宋体" pitchFamily="2" charset="-122"/>
-              </a:rPr>
-              <a:t>, </a:t>
-            </a:r>
-            <a:r>
-              <a:rPr lang="en-US" altLang="zh-CN" sz="1000" dirty="0" smtClean="0">
-                <a:latin typeface="Comic Sans MS" pitchFamily="66" charset="0"/>
-                <a:ea typeface="宋体" pitchFamily="2" charset="-122"/>
-              </a:rPr>
-              <a:t>2010</a:t>
-            </a:r>
-            <a:endParaRPr lang="en-US" altLang="zh-CN" sz="1000" dirty="0">
-              <a:latin typeface="Comic Sans MS" pitchFamily="66" charset="0"/>
-              <a:ea typeface="宋体" pitchFamily="2" charset="-122"/>
-            </a:endParaRPr>
-          </a:p>
-        </p:txBody>
-      </p:sp>
-      <p:pic>
-        <p:nvPicPr>
-          <p:cNvPr id="8" name="Picture 7" descr="license.img"/>
-          <p:cNvPicPr>
-            <a:picLocks/>
-          </p:cNvPicPr>
-          <p:nvPr userDrawn="1"/>
-        </p:nvPicPr>
-        <p:blipFill>
-          <a:blip r:embed="rId8"/>
-          <a:srcRect/>
-          <a:stretch>
-            <a:fillRect/>
-          </a:stretch>
-        </p:blipFill>
-        <p:spPr bwMode="auto">
-          <a:xfrm>
-            <a:off x="40104" y="6448925"/>
-            <a:ext cx="1271338" cy="372979"/>
-          </a:xfrm>
-          <a:prstGeom prst="rect">
-            <a:avLst/>
-          </a:prstGeom>
-          <a:noFill/>
-          <a:ln w="9525">
-            <a:noFill/>
-            <a:miter lim="800000"/>
-            <a:headEnd/>
-            <a:tailEnd/>
-          </a:ln>
-        </p:spPr>
-      </p:pic>
-    </p:spTree>
-  </p:cSld>
-  <p:clrMap bg1="lt1" tx1="dk1" bg2="lt2" tx2="dk2" accent1="accent1" accent2="accent2" accent3="accent3" accent4="accent4" accent5="accent5" accent6="accent6" hlink="hlink" folHlink="folHlink"/>
-  <p:sldLayoutIdLst>
-    <p:sldLayoutId id="2147483663" r:id="rId1"/>
-    <p:sldLayoutId id="2147483664" r:id="rId2"/>
-    <p:sldLayoutId id="2147483668" r:id="rId3"/>
-    <p:sldLayoutId id="2147483669" r:id="rId4"/>
-    <p:sldLayoutId id="2147483671" r:id="rId5"/>
-  </p:sldLayoutIdLst>
-  <p:timing>
-    <p:tnLst>
-      <p:par>
-        <p:cTn xmlns:p14="http://schemas.microsoft.com/office/powerpoint/2010/main" id="1" dur="indefinite" restart="never" nodeType="tmRoot"/>
-      </p:par>
-    </p:tnLst>
-  </p:timing>
-  <p:hf hdr="0" ftr="0" dt="0"/>
-  <p:txStyles>
-    <p:titleStyle>
-      <a:lvl1pPr algn="l" rtl="0" eaLnBrk="0" fontAlgn="base" hangingPunct="0">
-        <a:spcBef>
-          <a:spcPct val="0"/>
-        </a:spcBef>
-        <a:spcAft>
-          <a:spcPct val="0"/>
-        </a:spcAft>
-        <a:defRPr sz="3200" b="1">
-          <a:solidFill>
-            <a:schemeClr val="tx2"/>
-          </a:solidFill>
-          <a:latin typeface="+mj-lt"/>
-          <a:ea typeface="+mj-ea"/>
-          <a:cs typeface="+mj-cs"/>
-        </a:defRPr>
-      </a:lvl1pPr>
-      <a:lvl2pPr algn="l" rtl="0" eaLnBrk="0" fontAlgn="base" hangingPunct="0">
-        <a:spcBef>
-          <a:spcPct val="0"/>
-        </a:spcBef>
-        <a:spcAft>
-          <a:spcPct val="0"/>
-        </a:spcAft>
-        <a:defRPr sz="3200" b="1">
-          <a:solidFill>
-            <a:schemeClr val="tx2"/>
-          </a:solidFill>
-          <a:latin typeface="Comic Sans MS" pitchFamily="66" charset="0"/>
-        </a:defRPr>
-      </a:lvl2pPr>
-      <a:lvl3pPr algn="l" rtl="0" eaLnBrk="0" fontAlgn="base" hangingPunct="0">
-        <a:spcBef>
-          <a:spcPct val="0"/>
-        </a:spcBef>
-        <a:spcAft>
-          <a:spcPct val="0"/>
-        </a:spcAft>
-        <a:defRPr sz="3200" b="1">
-          <a:solidFill>
-            <a:schemeClr val="tx2"/>
-          </a:solidFill>
-          <a:latin typeface="Comic Sans MS" pitchFamily="66" charset="0"/>
-        </a:defRPr>
-      </a:lvl3pPr>
-      <a:lvl4pPr algn="l" rtl="0" eaLnBrk="0" fontAlgn="base" hangingPunct="0">
-        <a:spcBef>
-          <a:spcPct val="0"/>
-        </a:spcBef>
-        <a:spcAft>
-          <a:spcPct val="0"/>
-        </a:spcAft>
-        <a:defRPr sz="3200" b="1">
-          <a:solidFill>
-            <a:schemeClr val="tx2"/>
-          </a:solidFill>
-          <a:latin typeface="Comic Sans MS" pitchFamily="66" charset="0"/>
-        </a:defRPr>
-      </a:lvl4pPr>
-      <a:lvl5pPr algn="l" rtl="0" eaLnBrk="0" fontAlgn="base" hangingPunct="0">
-        <a:spcBef>
-          <a:spcPct val="0"/>
-        </a:spcBef>
-        <a:spcAft>
-          <a:spcPct val="0"/>
-        </a:spcAft>
-        <a:defRPr sz="3200" b="1">
-          <a:solidFill>
-            <a:schemeClr val="tx2"/>
-          </a:solidFill>
-          <a:latin typeface="Comic Sans MS" pitchFamily="66" charset="0"/>
-        </a:defRPr>
-      </a:lvl5pPr>
-      <a:lvl6pPr marL="457200" algn="l" rtl="0" fontAlgn="base">
-        <a:spcBef>
-          <a:spcPct val="0"/>
-        </a:spcBef>
-        <a:spcAft>
-          <a:spcPct val="0"/>
-        </a:spcAft>
-        <a:defRPr sz="3200" b="1">
-          <a:solidFill>
-            <a:schemeClr val="tx2"/>
-          </a:solidFill>
-          <a:latin typeface="Comic Sans MS" pitchFamily="66" charset="0"/>
-        </a:defRPr>
-      </a:lvl6pPr>
-      <a:lvl7pPr marL="914400" algn="l" rtl="0" fontAlgn="base">
-        <a:spcBef>
-          <a:spcPct val="0"/>
-        </a:spcBef>
-        <a:spcAft>
-          <a:spcPct val="0"/>
-        </a:spcAft>
-        <a:defRPr sz="3200" b="1">
-          <a:solidFill>
-            <a:schemeClr val="tx2"/>
-          </a:solidFill>
-          <a:latin typeface="Comic Sans MS" pitchFamily="66" charset="0"/>
-        </a:defRPr>
-      </a:lvl7pPr>
-      <a:lvl8pPr marL="1371600" algn="l" rtl="0" fontAlgn="base">
-        <a:spcBef>
-          <a:spcPct val="0"/>
-        </a:spcBef>
-        <a:spcAft>
-          <a:spcPct val="0"/>
-        </a:spcAft>
-        <a:defRPr sz="3200" b="1">
-          <a:solidFill>
-            <a:schemeClr val="tx2"/>
-          </a:solidFill>
-          <a:latin typeface="Comic Sans MS" pitchFamily="66" charset="0"/>
-        </a:defRPr>
-      </a:lvl8pPr>
-      <a:lvl9pPr marL="1828800" algn="l" rtl="0" fontAlgn="base">
-        <a:spcBef>
-          <a:spcPct val="0"/>
-        </a:spcBef>
-        <a:spcAft>
-          <a:spcPct val="0"/>
-        </a:spcAft>
-        <a:defRPr sz="3200" b="1">
-          <a:solidFill>
-            <a:schemeClr val="tx2"/>
-          </a:solidFill>
-          <a:latin typeface="Comic Sans MS" pitchFamily="66" charset="0"/>
-        </a:defRPr>
-      </a:lvl9pPr>
-    </p:titleStyle>
-    <p:bodyStyle>
-      <a:lvl1pPr marL="342900" indent="-342900" algn="l" rtl="0" eaLnBrk="0" fontAlgn="base" hangingPunct="0">
-        <a:spcBef>
-          <a:spcPct val="20000"/>
-        </a:spcBef>
-        <a:spcAft>
-          <a:spcPct val="0"/>
-        </a:spcAft>
-        <a:buChar char="•"/>
-        <a:defRPr sz="3200">
-          <a:solidFill>
-            <a:schemeClr val="tx1"/>
-          </a:solidFill>
-          <a:latin typeface="+mn-lt"/>
-          <a:ea typeface="+mn-ea"/>
-          <a:cs typeface="+mn-cs"/>
-        </a:defRPr>
-      </a:lvl1pPr>
-      <a:lvl2pPr marL="742950" indent="-285750" algn="l" rtl="0" eaLnBrk="0" fontAlgn="base" hangingPunct="0">
-        <a:spcBef>
-          <a:spcPct val="20000"/>
-        </a:spcBef>
-        <a:spcAft>
-          <a:spcPct val="0"/>
-        </a:spcAft>
-        <a:buChar char="–"/>
-        <a:defRPr sz="2800">
-          <a:solidFill>
-            <a:schemeClr val="tx1"/>
-          </a:solidFill>
-          <a:latin typeface="+mn-lt"/>
-        </a:defRPr>
-      </a:lvl2pPr>
-      <a:lvl3pPr marL="1143000" indent="-228600" algn="l" rtl="0" eaLnBrk="0" fontAlgn="base" hangingPunct="0">
-        <a:spcBef>
-          <a:spcPct val="20000"/>
-        </a:spcBef>
-        <a:spcAft>
-          <a:spcPct val="0"/>
-        </a:spcAft>
-        <a:buChar char="•"/>
-        <a:defRPr sz="2400">
-          <a:solidFill>
-            <a:schemeClr val="tx1"/>
-          </a:solidFill>
-          <a:latin typeface="+mn-lt"/>
-        </a:defRPr>
-      </a:lvl3pPr>
-      <a:lvl4pPr marL="1600200" indent="-228600" algn="l" rtl="0" eaLnBrk="0" fontAlgn="base" hangingPunct="0">
-        <a:spcBef>
-          <a:spcPct val="20000"/>
-        </a:spcBef>
-        <a:spcAft>
-          <a:spcPct val="0"/>
-        </a:spcAft>
-        <a:buChar char="–"/>
-        <a:defRPr sz="2000">
-          <a:solidFill>
-            <a:schemeClr val="tx1"/>
-          </a:solidFill>
-          <a:latin typeface="+mn-lt"/>
-        </a:defRPr>
-      </a:lvl4pPr>
-      <a:lvl5pPr marL="2057400" indent="-228600" algn="l" rtl="0" eaLnBrk="0" fontAlgn="base" hangingPunct="0">
-        <a:spcBef>
-          <a:spcPct val="20000"/>
-        </a:spcBef>
-        <a:spcAft>
-          <a:spcPct val="0"/>
-        </a:spcAft>
-        <a:buChar char="»"/>
-        <a:defRPr sz="2000">
-          <a:solidFill>
-            <a:schemeClr val="tx1"/>
-          </a:solidFill>
-          <a:latin typeface="+mn-lt"/>
-        </a:defRPr>
-      </a:lvl5pPr>
-      <a:lvl6pPr marL="2514600" indent="-228600" algn="l" rtl="0" fontAlgn="base">
-        <a:spcBef>
-          <a:spcPct val="20000"/>
-        </a:spcBef>
-        <a:spcAft>
-          <a:spcPct val="0"/>
-        </a:spcAft>
-        <a:buChar char="»"/>
-        <a:defRPr sz="2000">
-          <a:solidFill>
-            <a:schemeClr val="tx1"/>
-          </a:solidFill>
-          <a:latin typeface="+mn-lt"/>
-        </a:defRPr>
-      </a:lvl6pPr>
-      <a:lvl7pPr marL="2971800" indent="-228600" algn="l" rtl="0" fontAlgn="base">
-        <a:spcBef>
-          <a:spcPct val="20000"/>
-        </a:spcBef>
-        <a:spcAft>
-          <a:spcPct val="0"/>
-        </a:spcAft>
-        <a:buChar char="»"/>
-        <a:defRPr sz="2000">
-          <a:solidFill>
-            <a:schemeClr val="tx1"/>
-          </a:solidFill>
-          <a:latin typeface="+mn-lt"/>
-        </a:defRPr>
-      </a:lvl7pPr>
-      <a:lvl8pPr marL="3429000" indent="-228600" algn="l" rtl="0" fontAlgn="base">
-        <a:spcBef>
-          <a:spcPct val="20000"/>
-        </a:spcBef>
-        <a:spcAft>
-          <a:spcPct val="0"/>
-        </a:spcAft>
-        <a:buChar char="»"/>
-        <a:defRPr sz="2000">
-          <a:solidFill>
-            <a:schemeClr val="tx1"/>
-          </a:solidFill>
-          <a:latin typeface="+mn-lt"/>
-        </a:defRPr>
-      </a:lvl8pPr>
-      <a:lvl9pPr marL="3886200" indent="-228600" algn="l" rtl="0" fontAlgn="base">
-        <a:spcBef>
-          <a:spcPct val="20000"/>
-        </a:spcBef>
-        <a:spcAft>
-          <a:spcPct val="0"/>
-        </a:spcAft>
-        <a:buChar char="»"/>
-        <a:defRPr sz="2000">
-          <a:solidFill>
-            <a:schemeClr val="tx1"/>
-          </a:solidFill>
-          <a:latin typeface="+mn-lt"/>
-        </a:defRPr>
-      </a:lvl9pPr>
-    </p:bodyStyle>
-    <p:otherStyle>
-      <a:defPPr>
-        <a:defRPr lang="en-US"/>
-      </a:defPPr>
-      <a:lvl1pPr marL="0" algn="l" defTabSz="914400" rtl="0" eaLnBrk="1" latinLnBrk="0" hangingPunct="1">
-        <a:defRPr sz="1800" kern="1200">
-          <a:solidFill>
-            <a:schemeClr val="tx1"/>
-          </a:solidFill>
-          <a:latin typeface="+mn-lt"/>
-          <a:ea typeface="+mn-ea"/>
-          <a:cs typeface="+mn-cs"/>
-        </a:defRPr>
-      </a:lvl1pPr>
-      <a:lvl2pPr marL="457200" algn="l" defTabSz="914400" rtl="0" eaLnBrk="1" latinLnBrk="0" hangingPunct="1">
-        <a:defRPr sz="1800" kern="1200">
-          <a:solidFill>
-            <a:schemeClr val="tx1"/>
-          </a:solidFill>
-          <a:latin typeface="+mn-lt"/>
-          <a:ea typeface="+mn-ea"/>
-          <a:cs typeface="+mn-cs"/>
-        </a:defRPr>
-      </a:lvl2pPr>
-      <a:lvl3pPr marL="914400" algn="l" defTabSz="914400" rtl="0" eaLnBrk="1" latinLnBrk="0" hangingPunct="1">
-        <a:defRPr sz="1800" kern="1200">
-          <a:solidFill>
-            <a:schemeClr val="tx1"/>
-          </a:solidFill>
-          <a:latin typeface="+mn-lt"/>
-          <a:ea typeface="+mn-ea"/>
-          <a:cs typeface="+mn-cs"/>
-        </a:defRPr>
-      </a:lvl3pPr>
-      <a:lvl4pPr marL="1371600" algn="l" defTabSz="914400" rtl="0" eaLnBrk="1" latinLnBrk="0" hangingPunct="1">
-        <a:defRPr sz="1800" kern="1200">
-          <a:solidFill>
-            <a:schemeClr val="tx1"/>
-          </a:solidFill>
-          <a:latin typeface="+mn-lt"/>
-          <a:ea typeface="+mn-ea"/>
-          <a:cs typeface="+mn-cs"/>
-        </a:defRPr>
-      </a:lvl4pPr>
-      <a:lvl5pPr marL="1828800" algn="l" defTabSz="914400" rtl="0" eaLnBrk="1" latinLnBrk="0" hangingPunct="1">
-        <a:defRPr sz="1800" kern="1200">
-          <a:solidFill>
-            <a:schemeClr val="tx1"/>
-          </a:solidFill>
-          <a:latin typeface="+mn-lt"/>
-          <a:ea typeface="+mn-ea"/>
-          <a:cs typeface="+mn-cs"/>
-        </a:defRPr>
-      </a:lvl5pPr>
-      <a:lvl6pPr marL="2286000" algn="l" defTabSz="914400" rtl="0" eaLnBrk="1" latinLnBrk="0" hangingPunct="1">
-        <a:defRPr sz="1800" kern="1200">
-          <a:solidFill>
-            <a:schemeClr val="tx1"/>
-          </a:solidFill>
-          <a:latin typeface="+mn-lt"/>
-          <a:ea typeface="+mn-ea"/>
-          <a:cs typeface="+mn-cs"/>
-        </a:defRPr>
-      </a:lvl6pPr>
-      <a:lvl7pPr marL="2743200" algn="l" defTabSz="914400" rtl="0" eaLnBrk="1" latinLnBrk="0" hangingPunct="1">
-        <a:defRPr sz="1800" kern="1200">
-          <a:solidFill>
-            <a:schemeClr val="tx1"/>
-          </a:solidFill>
-          <a:latin typeface="+mn-lt"/>
-          <a:ea typeface="+mn-ea"/>
-          <a:cs typeface="+mn-cs"/>
-        </a:defRPr>
-      </a:lvl7pPr>
-      <a:lvl8pPr marL="3200400" algn="l" defTabSz="914400" rtl="0" eaLnBrk="1" latinLnBrk="0" hangingPunct="1">
-        <a:defRPr sz="1800" kern="1200">
-          <a:solidFill>
-            <a:schemeClr val="tx1"/>
-          </a:solidFill>
-          <a:latin typeface="+mn-lt"/>
-          <a:ea typeface="+mn-ea"/>
-          <a:cs typeface="+mn-cs"/>
-        </a:defRPr>
-      </a:lvl8pPr>
-      <a:lvl9pPr marL="3657600" algn="l" defTabSz="914400" rtl="0" eaLnBrk="1" latinLnBrk="0" hangingPunct="1">
-        <a:defRPr sz="1800" kern="1200">
-          <a:solidFill>
-            <a:schemeClr val="tx1"/>
-          </a:solidFill>
-          <a:latin typeface="+mn-lt"/>
-          <a:ea typeface="+mn-ea"/>
-          <a:cs typeface="+mn-cs"/>
-        </a:defRPr>
-      </a:lvl9pPr>
-    </p:otherStyle>
-  </p:txStyles>
-</p:sldMaster>
-</file>
-
 <file path=ppt/slides/slide1.xml><?xml version="1.0" encoding="utf-8"?>
 <p:sld xmlns:a="http://schemas.openxmlformats.org/drawingml/2006/main" xmlns:r="http://schemas.openxmlformats.org/officeDocument/2006/relationships" xmlns:p="http://schemas.openxmlformats.org/presentationml/2006/main">
   <p:cSld>
@@ -6306,7 +4805,11 @@
             </a:r>
             <a:r>
               <a:rPr lang="en-US" dirty="0" smtClean="0"/>
-              <a:t> 8M.</a:t>
+              <a:t> </a:t>
+            </a:r>
+            <a:r>
+              <a:rPr lang="en-US" dirty="0" smtClean="0"/>
+              <a:t>7W.</a:t>
             </a:r>
             <a:fld id="{ACF40DFD-16BB-4195-87D0-F1A44B357E55}" type="slidenum">
               <a:rPr lang="en-US" smtClean="0"/>
@@ -6558,7 +5061,11 @@
             </a:r>
             <a:r>
               <a:rPr lang="en-US" dirty="0" smtClean="0"/>
-              <a:t> 8M.</a:t>
+              <a:t> </a:t>
+            </a:r>
+            <a:r>
+              <a:rPr lang="en-US" dirty="0" smtClean="0"/>
+              <a:t>7W.</a:t>
             </a:r>
             <a:fld id="{831ACAC5-1659-4052-9034-479785513DB7}" type="slidenum">
               <a:rPr lang="en-US" smtClean="0"/>
@@ -6671,7 +5178,7 @@
           <a:graphicData uri="http://schemas.openxmlformats.org/presentationml/2006/ole">
             <mc:AlternateContent xmlns:mc="http://schemas.openxmlformats.org/markup-compatibility/2006">
               <mc:Choice xmlns:v="urn:schemas-microsoft-com:vml" Requires="v">
-                <p:oleObj spid="_x0000_s576540" name="Equation" r:id="rId4" imgW="1346040" imgH="406080" progId="Equation.DSMT4">
+                <p:oleObj spid="_x0000_s576542" name="Equation" r:id="rId4" imgW="1346040" imgH="406080" progId="Equation.DSMT4">
                   <p:embed/>
                 </p:oleObj>
               </mc:Choice>
@@ -6852,7 +5359,11 @@
             </a:r>
             <a:r>
               <a:rPr lang="en-US" dirty="0" smtClean="0"/>
-              <a:t> 8M.</a:t>
+              <a:t> </a:t>
+            </a:r>
+            <a:r>
+              <a:rPr lang="en-US" dirty="0" smtClean="0"/>
+              <a:t>7W.</a:t>
             </a:r>
             <a:fld id="{F12B3927-AFCA-411B-8D8F-6D769C9711B9}" type="slidenum">
               <a:rPr lang="en-US" smtClean="0"/>
@@ -7274,7 +5785,11 @@
             </a:r>
             <a:r>
               <a:rPr lang="en-US" dirty="0" smtClean="0"/>
-              <a:t> 8M.</a:t>
+              <a:t> </a:t>
+            </a:r>
+            <a:r>
+              <a:rPr lang="en-US" dirty="0" smtClean="0"/>
+              <a:t>7W.</a:t>
             </a:r>
             <a:fld id="{CA425DB4-F99B-4E5E-837F-A44D5F82AB30}" type="slidenum">
               <a:rPr lang="en-US" smtClean="0"/>
@@ -8446,7 +6961,11 @@
             </a:r>
             <a:r>
               <a:rPr lang="en-US" dirty="0" smtClean="0"/>
-              <a:t>6M.</a:t>
+              <a:t>7W</a:t>
+            </a:r>
+            <a:r>
+              <a:rPr lang="en-US" dirty="0" smtClean="0"/>
+              <a:t>.</a:t>
             </a:r>
             <a:fld id="{2874E848-A3CA-4509-A8E9-981481E18432}" type="slidenum">
               <a:rPr lang="en-US" smtClean="0"/>
@@ -8495,7 +7014,7 @@
           <a:graphicData uri="http://schemas.openxmlformats.org/presentationml/2006/ole">
             <mc:AlternateContent xmlns:mc="http://schemas.openxmlformats.org/markup-compatibility/2006">
               <mc:Choice xmlns:v="urn:schemas-microsoft-com:vml" Requires="v">
-                <p:oleObj spid="_x0000_s1064" name="Equation" r:id="rId4" imgW="1777680" imgH="342720" progId="Equation.DSMT4">
+                <p:oleObj spid="_x0000_s1069" name="Equation" r:id="rId4" imgW="1777680" imgH="342720" progId="Equation.DSMT4">
                   <p:embed/>
                 </p:oleObj>
               </mc:Choice>
@@ -8631,7 +7150,7 @@
           <a:graphicData uri="http://schemas.openxmlformats.org/presentationml/2006/ole">
             <mc:AlternateContent xmlns:mc="http://schemas.openxmlformats.org/markup-compatibility/2006">
               <mc:Choice xmlns:v="urn:schemas-microsoft-com:vml" Requires="v">
-                <p:oleObj spid="_x0000_s1065" name="Equation" r:id="rId6" imgW="1828800" imgH="571320" progId="Equation.DSMT4">
+                <p:oleObj spid="_x0000_s1070" name="Equation" r:id="rId6" imgW="1828800" imgH="571320" progId="Equation.DSMT4">
                   <p:embed/>
                 </p:oleObj>
               </mc:Choice>
@@ -8707,7 +7226,7 @@
           <a:graphicData uri="http://schemas.openxmlformats.org/presentationml/2006/ole">
             <mc:AlternateContent xmlns:mc="http://schemas.openxmlformats.org/markup-compatibility/2006">
               <mc:Choice xmlns:v="urn:schemas-microsoft-com:vml" Requires="v">
-                <p:oleObj spid="_x0000_s1066" name="Equation" r:id="rId8" imgW="660400" imgH="419100" progId="Equation.DSMT4">
+                <p:oleObj spid="_x0000_s1071" name="Equation" r:id="rId8" imgW="660400" imgH="419100" progId="Equation.DSMT4">
                   <p:embed/>
                 </p:oleObj>
               </mc:Choice>
@@ -8777,7 +7296,7 @@
           <a:graphicData uri="http://schemas.openxmlformats.org/presentationml/2006/ole">
             <mc:AlternateContent xmlns:mc="http://schemas.openxmlformats.org/markup-compatibility/2006">
               <mc:Choice xmlns:v="urn:schemas-microsoft-com:vml" Requires="v">
-                <p:oleObj spid="_x0000_s1067" name="Equation" r:id="rId10" imgW="660400" imgH="419100" progId="Equation.DSMT4">
+                <p:oleObj spid="_x0000_s1072" name="Equation" r:id="rId10" imgW="660400" imgH="419100" progId="Equation.DSMT4">
                   <p:embed/>
                 </p:oleObj>
               </mc:Choice>
@@ -9165,7 +7684,11 @@
             </a:r>
             <a:r>
               <a:rPr lang="en-US" dirty="0" smtClean="0"/>
-              <a:t> 8M.</a:t>
+              <a:t> </a:t>
+            </a:r>
+            <a:r>
+              <a:rPr lang="en-US" dirty="0" smtClean="0"/>
+              <a:t>7W.</a:t>
             </a:r>
             <a:fld id="{53D395A9-E7C7-4B11-83F8-7DDACDCBDC3E}" type="slidenum">
               <a:rPr lang="en-US" smtClean="0"/>
@@ -9192,7 +7715,7 @@
           <a:graphicData uri="http://schemas.openxmlformats.org/presentationml/2006/ole">
             <mc:AlternateContent xmlns:mc="http://schemas.openxmlformats.org/markup-compatibility/2006">
               <mc:Choice xmlns:v="urn:schemas-microsoft-com:vml" Requires="v">
-                <p:oleObj spid="_x0000_s655382" name="Equation" r:id="rId4" imgW="2273040" imgH="469800" progId="Equation.DSMT4">
+                <p:oleObj spid="_x0000_s655384" name="Equation" r:id="rId4" imgW="2273040" imgH="469800" progId="Equation.DSMT4">
                   <p:embed/>
                 </p:oleObj>
               </mc:Choice>
@@ -9964,7 +8487,11 @@
             </a:r>
             <a:r>
               <a:rPr lang="en-US" dirty="0" smtClean="0"/>
-              <a:t> 8M.</a:t>
+              <a:t> </a:t>
+            </a:r>
+            <a:r>
+              <a:rPr lang="en-US" dirty="0" smtClean="0"/>
+              <a:t>7W.</a:t>
             </a:r>
             <a:fld id="{A913FA39-6498-4AB9-AF91-22F99A6D6F00}" type="slidenum">
               <a:rPr lang="en-US" smtClean="0"/>
@@ -10062,7 +8589,11 @@
             </a:r>
             <a:r>
               <a:rPr lang="en-US" dirty="0" smtClean="0"/>
-              <a:t> 8M.</a:t>
+              <a:t> </a:t>
+            </a:r>
+            <a:r>
+              <a:rPr lang="en-US" dirty="0" smtClean="0"/>
+              <a:t>7W.</a:t>
             </a:r>
             <a:fld id="{80838894-100E-4519-8E62-44A287AD6BD4}" type="slidenum">
               <a:rPr lang="en-US" smtClean="0"/>
@@ -11854,7 +10385,11 @@
             </a:r>
             <a:r>
               <a:rPr lang="en-US" dirty="0" smtClean="0"/>
-              <a:t> 8M.</a:t>
+              <a:t> </a:t>
+            </a:r>
+            <a:r>
+              <a:rPr lang="en-US" dirty="0" smtClean="0"/>
+              <a:t>7W.</a:t>
             </a:r>
             <a:fld id="{B240AD19-D171-4C36-BC34-165F4F829BC6}" type="slidenum">
               <a:rPr lang="en-US" smtClean="0"/>
@@ -13670,7 +12205,11 @@
             </a:r>
             <a:r>
               <a:rPr lang="en-US" dirty="0" smtClean="0"/>
-              <a:t> 8M.</a:t>
+              <a:t> </a:t>
+            </a:r>
+            <a:r>
+              <a:rPr lang="en-US" dirty="0" smtClean="0"/>
+              <a:t>7W.</a:t>
             </a:r>
             <a:fld id="{68A93573-C3A1-4216-A253-FAD638233C5A}" type="slidenum">
               <a:rPr lang="en-US" smtClean="0"/>
@@ -14061,7 +12600,11 @@
             </a:r>
             <a:r>
               <a:rPr lang="en-US" dirty="0" smtClean="0"/>
-              <a:t> 8M.</a:t>
+              <a:t> </a:t>
+            </a:r>
+            <a:r>
+              <a:rPr lang="en-US" dirty="0" smtClean="0"/>
+              <a:t>7W.</a:t>
             </a:r>
             <a:fld id="{5E3C3489-5335-4071-A373-779F9E8C608D}" type="slidenum">
               <a:rPr lang="en-US" smtClean="0"/>
@@ -14444,7 +12987,11 @@
             </a:r>
             <a:r>
               <a:rPr lang="en-US" dirty="0" smtClean="0"/>
-              <a:t> 8M.</a:t>
+              <a:t> </a:t>
+            </a:r>
+            <a:r>
+              <a:rPr lang="en-US" dirty="0" smtClean="0"/>
+              <a:t>7W.</a:t>
             </a:r>
             <a:fld id="{293C45EC-E261-4166-BBC4-7B298A3E1090}" type="slidenum">
               <a:rPr lang="en-US" smtClean="0"/>
@@ -16224,7 +14771,11 @@
             </a:r>
             <a:r>
               <a:rPr lang="en-US" dirty="0" smtClean="0"/>
-              <a:t> 8M.</a:t>
+              <a:t> </a:t>
+            </a:r>
+            <a:r>
+              <a:rPr lang="en-US" dirty="0" smtClean="0"/>
+              <a:t>7W.</a:t>
             </a:r>
             <a:fld id="{AA7FE549-B246-4F98-AB9B-E10B9848818D}" type="slidenum">
               <a:rPr lang="en-US" smtClean="0"/>
@@ -18046,7 +16597,11 @@
             </a:r>
             <a:r>
               <a:rPr lang="en-US" dirty="0" smtClean="0"/>
-              <a:t> 8M.</a:t>
+              <a:t> </a:t>
+            </a:r>
+            <a:r>
+              <a:rPr lang="en-US" dirty="0" smtClean="0"/>
+              <a:t>7W.</a:t>
             </a:r>
             <a:fld id="{046B1DE3-69C3-424B-B7F0-9CF8344ADFF4}" type="slidenum">
               <a:rPr lang="en-US" smtClean="0"/>
@@ -19363,7 +17918,11 @@
             </a:r>
             <a:r>
               <a:rPr lang="en-US" dirty="0" smtClean="0"/>
-              <a:t> 8M.</a:t>
+              <a:t> </a:t>
+            </a:r>
+            <a:r>
+              <a:rPr lang="en-US" dirty="0" smtClean="0"/>
+              <a:t>7W.</a:t>
             </a:r>
             <a:fld id="{1AC59D09-C0B9-4025-A086-F05489DDA977}" type="slidenum">
               <a:rPr lang="en-US" smtClean="0"/>
@@ -20808,7 +19367,11 @@
             </a:r>
             <a:r>
               <a:rPr lang="en-US" dirty="0" smtClean="0"/>
-              <a:t> 8M.</a:t>
+              <a:t> </a:t>
+            </a:r>
+            <a:r>
+              <a:rPr lang="en-US" dirty="0" smtClean="0"/>
+              <a:t>7W.</a:t>
             </a:r>
             <a:fld id="{1DB5B75C-AF40-408B-B111-07AA97733054}" type="slidenum">
               <a:rPr lang="en-US" smtClean="0"/>
@@ -22450,7 +21013,11 @@
             </a:r>
             <a:r>
               <a:rPr lang="en-US" dirty="0" smtClean="0"/>
-              <a:t> 8M.</a:t>
+              <a:t> </a:t>
+            </a:r>
+            <a:r>
+              <a:rPr lang="en-US" dirty="0" smtClean="0"/>
+              <a:t>7W.</a:t>
             </a:r>
             <a:fld id="{A0329A7B-0CDF-4474-9D5E-25E9C11592CB}" type="slidenum">
               <a:rPr lang="en-US" smtClean="0"/>
@@ -23093,7 +21660,11 @@
             </a:r>
             <a:r>
               <a:rPr lang="en-US" dirty="0" smtClean="0"/>
-              <a:t> 8M.</a:t>
+              <a:t> </a:t>
+            </a:r>
+            <a:r>
+              <a:rPr lang="en-US" dirty="0" smtClean="0"/>
+              <a:t>7W.</a:t>
             </a:r>
             <a:fld id="{B88CF5CE-1058-4BB5-8192-EF3446247848}" type="slidenum">
               <a:rPr lang="en-US" smtClean="0"/>
@@ -24230,7 +22801,7 @@
             <a:spLocks noGrp="1" noChangeArrowheads="1"/>
           </p:cNvSpPr>
           <p:nvPr>
-            <p:ph type="body" idx="1"/>
+            <p:ph idx="1"/>
           </p:nvPr>
         </p:nvSpPr>
         <p:spPr>
@@ -24420,7 +22991,11 @@
             </a:r>
             <a:r>
               <a:rPr lang="en-US" dirty="0" smtClean="0"/>
-              <a:t> 8M.</a:t>
+              <a:t> </a:t>
+            </a:r>
+            <a:r>
+              <a:rPr lang="en-US" dirty="0" smtClean="0"/>
+              <a:t>7W.</a:t>
             </a:r>
             <a:fld id="{8DE3D2CC-F788-4557-8ECB-878F673AE85C}" type="slidenum">
               <a:rPr lang="en-US" smtClean="0"/>
@@ -24657,7 +23232,11 @@
             </a:r>
             <a:r>
               <a:rPr lang="en-US" dirty="0" smtClean="0"/>
-              <a:t> 8M.</a:t>
+              <a:t> </a:t>
+            </a:r>
+            <a:r>
+              <a:rPr lang="en-US" dirty="0" smtClean="0"/>
+              <a:t>7W.</a:t>
             </a:r>
             <a:fld id="{15D60AE2-77FF-43D7-8AD9-B8A424F004F9}" type="slidenum">
               <a:rPr lang="en-US" smtClean="0"/>
@@ -25223,6 +23802,44 @@
           </a:p>
         </p:txBody>
       </p:sp>
+      <p:sp>
+        <p:nvSpPr>
+          <p:cNvPr id="37893" name="Rectangle 11"/>
+          <p:cNvSpPr>
+            <a:spLocks noGrp="1" noChangeArrowheads="1"/>
+          </p:cNvSpPr>
+          <p:nvPr>
+            <p:ph type="sldNum" sz="quarter" idx="10"/>
+          </p:nvPr>
+        </p:nvSpPr>
+        <p:spPr>
+          <a:noFill/>
+        </p:spPr>
+        <p:txBody>
+          <a:bodyPr/>
+          <a:lstStyle/>
+          <a:p>
+            <a:r>
+              <a:rPr lang="en-US" dirty="0" err="1"/>
+              <a:t>lec</a:t>
+            </a:r>
+            <a:r>
+              <a:rPr lang="en-US" dirty="0" smtClean="0"/>
+              <a:t> </a:t>
+            </a:r>
+            <a:r>
+              <a:rPr lang="en-US" dirty="0" smtClean="0"/>
+              <a:t>7W.</a:t>
+            </a:r>
+            <a:fld id="{3AEDE1B4-22B9-44CE-94B1-9B4CDE94A4EF}" type="slidenum">
+              <a:rPr lang="en-US" smtClean="0"/>
+              <a:pPr/>
+              <a:t>28</a:t>
+            </a:fld>
+            <a:endParaRPr lang="en-US" dirty="0"/>
+          </a:p>
+        </p:txBody>
+      </p:sp>
       <p:grpSp>
         <p:nvGrpSpPr>
           <p:cNvPr id="2" name="Group 14"/>
@@ -25431,40 +24048,6 @@
               <a:latin typeface="Comic Sans MS" pitchFamily="66" charset="0"/>
               <a:ea typeface="SimSun" pitchFamily="2" charset="-122"/>
             </a:endParaRPr>
-          </a:p>
-        </p:txBody>
-      </p:sp>
-      <p:sp>
-        <p:nvSpPr>
-          <p:cNvPr id="37893" name="Rectangle 11"/>
-          <p:cNvSpPr>
-            <a:spLocks noGrp="1" noChangeArrowheads="1"/>
-          </p:cNvSpPr>
-          <p:nvPr>
-            <p:ph type="sldNum" sz="quarter" idx="10"/>
-          </p:nvPr>
-        </p:nvSpPr>
-        <p:spPr>
-          <a:noFill/>
-        </p:spPr>
-        <p:txBody>
-          <a:bodyPr/>
-          <a:lstStyle/>
-          <a:p>
-            <a:r>
-              <a:rPr lang="en-US" dirty="0" err="1"/>
-              <a:t>lec</a:t>
-            </a:r>
-            <a:r>
-              <a:rPr lang="en-US" dirty="0" smtClean="0"/>
-              <a:t> 8M.</a:t>
-            </a:r>
-            <a:fld id="{3AEDE1B4-22B9-44CE-94B1-9B4CDE94A4EF}" type="slidenum">
-              <a:rPr lang="en-US" smtClean="0"/>
-              <a:pPr/>
-              <a:t>28</a:t>
-            </a:fld>
-            <a:endParaRPr lang="en-US" dirty="0"/>
           </a:p>
         </p:txBody>
       </p:sp>
@@ -25664,154 +24247,6 @@
 </p:sld>
 </file>
 
-<file path=ppt/slides/slide29.xml><?xml version="1.0" encoding="utf-8"?>
-<p:sld xmlns:a="http://schemas.openxmlformats.org/drawingml/2006/main" xmlns:r="http://schemas.openxmlformats.org/officeDocument/2006/relationships" xmlns:p="http://schemas.openxmlformats.org/presentationml/2006/main">
-  <p:cSld>
-    <p:spTree>
-      <p:nvGrpSpPr>
-        <p:cNvPr id="1" name=""/>
-        <p:cNvGrpSpPr/>
-        <p:nvPr/>
-      </p:nvGrpSpPr>
-      <p:grpSpPr>
-        <a:xfrm>
-          <a:off x="0" y="0"/>
-          <a:ext cx="0" cy="0"/>
-          <a:chOff x="0" y="0"/>
-          <a:chExt cx="0" cy="0"/>
-        </a:xfrm>
-      </p:grpSpPr>
-      <p:sp>
-        <p:nvSpPr>
-          <p:cNvPr id="4" name="Slide Number Placeholder 3"/>
-          <p:cNvSpPr>
-            <a:spLocks noGrp="1"/>
-          </p:cNvSpPr>
-          <p:nvPr>
-            <p:ph type="sldNum" sz="quarter" idx="10"/>
-          </p:nvPr>
-        </p:nvSpPr>
-        <p:spPr/>
-        <p:txBody>
-          <a:bodyPr/>
-          <a:lstStyle/>
-          <a:p>
-            <a:r>
-              <a:rPr lang="en-US" dirty="0" err="1"/>
-              <a:t>lec</a:t>
-            </a:r>
-            <a:r>
-              <a:rPr lang="en-US" dirty="0" smtClean="0"/>
-              <a:t> 8M.</a:t>
-            </a:r>
-            <a:fld id="{8CB76801-ECFD-4E75-B29A-84CDB3DBBAA0}" type="slidenum">
-              <a:rPr lang="en-US" smtClean="0"/>
-              <a:pPr/>
-              <a:t>29</a:t>
-            </a:fld>
-            <a:endParaRPr lang="en-US" dirty="0"/>
-          </a:p>
-        </p:txBody>
-      </p:sp>
-      <p:sp>
-        <p:nvSpPr>
-          <p:cNvPr id="572418" name="Rectangle 2"/>
-          <p:cNvSpPr>
-            <a:spLocks noGrp="1" noChangeArrowheads="1"/>
-          </p:cNvSpPr>
-          <p:nvPr>
-            <p:ph type="title"/>
-          </p:nvPr>
-        </p:nvSpPr>
-        <p:spPr>
-          <a:noFill/>
-          <a:ln/>
-        </p:spPr>
-        <p:txBody>
-          <a:bodyPr/>
-          <a:lstStyle/>
-          <a:p>
-            <a:r>
-              <a:rPr lang="en-US"/>
-              <a:t>Team Problems</a:t>
-            </a:r>
-          </a:p>
-        </p:txBody>
-      </p:sp>
-      <p:sp>
-        <p:nvSpPr>
-          <p:cNvPr id="572419" name="Rectangle 3"/>
-          <p:cNvSpPr>
-            <a:spLocks noGrp="1" noChangeArrowheads="1"/>
-          </p:cNvSpPr>
-          <p:nvPr>
-            <p:ph type="body" idx="1"/>
-          </p:nvPr>
-        </p:nvSpPr>
-        <p:spPr>
-          <a:xfrm>
-            <a:off x="363922" y="984528"/>
-            <a:ext cx="8575675" cy="4835338"/>
-          </a:xfrm>
-          <a:noFill/>
-          <a:ln/>
-        </p:spPr>
-        <p:txBody>
-          <a:bodyPr/>
-          <a:lstStyle/>
-          <a:p>
-            <a:pPr algn="ctr">
-              <a:buFontTx/>
-              <a:buNone/>
-            </a:pPr>
-            <a:r>
-              <a:rPr lang="en-US" sz="13800" dirty="0" smtClean="0"/>
-              <a:t>Problems</a:t>
-            </a:r>
-            <a:endParaRPr lang="en-US" sz="13800" dirty="0"/>
-          </a:p>
-          <a:p>
-            <a:pPr algn="ctr">
-              <a:buFontTx/>
-              <a:buNone/>
-            </a:pPr>
-            <a:r>
-              <a:rPr lang="en-US" sz="13800" dirty="0" smtClean="0"/>
-              <a:t>1 </a:t>
-            </a:r>
-            <a:r>
-              <a:rPr lang="en-US" sz="13800" b="1" dirty="0" smtClean="0">
-                <a:latin typeface="Euclid Symbol" charset="2"/>
-                <a:cs typeface="Euclid Symbol" charset="2"/>
-              </a:rPr>
-              <a:t>−</a:t>
-            </a:r>
-            <a:r>
-              <a:rPr lang="en-US" sz="13800" dirty="0" smtClean="0"/>
-              <a:t> 4</a:t>
-            </a:r>
-            <a:endParaRPr lang="en-US" sz="13800" dirty="0"/>
-          </a:p>
-        </p:txBody>
-      </p:sp>
-    </p:spTree>
-  </p:cSld>
-  <p:clrMapOvr>
-    <a:masterClrMapping/>
-  </p:clrMapOvr>
-  <p:transition xmlns:p14="http://schemas.microsoft.com/office/powerpoint/2010/main">
-    <p:fade thruBlk="1"/>
-  </p:transition>
-  <p:timing>
-    <p:tnLst>
-      <p:par>
-        <p:cTn xmlns:p14="http://schemas.microsoft.com/office/powerpoint/2010/main" id="1" dur="indefinite" restart="never" nodeType="tmRoot"/>
-      </p:par>
-    </p:tnLst>
-  </p:timing>
-</p:sld>
-</file>
-
 <file path=ppt/slides/slide3.xml><?xml version="1.0" encoding="utf-8"?>
 <p:sld xmlns:a="http://schemas.openxmlformats.org/drawingml/2006/main" xmlns:r="http://schemas.openxmlformats.org/officeDocument/2006/relationships" xmlns:p="http://schemas.openxmlformats.org/presentationml/2006/main">
   <p:cSld>
@@ -26157,7 +24592,11 @@
             </a:r>
             <a:r>
               <a:rPr lang="en-US" dirty="0" smtClean="0"/>
-              <a:t> 8M.</a:t>
+              <a:t> </a:t>
+            </a:r>
+            <a:r>
+              <a:rPr lang="en-US" dirty="0" smtClean="0"/>
+              <a:t>7W.</a:t>
             </a:r>
             <a:fld id="{AB737AA2-ECB3-4299-BD05-681A14996687}" type="slidenum">
               <a:rPr lang="en-US" smtClean="0"/>
@@ -26433,7 +24872,11 @@
             </a:r>
             <a:r>
               <a:rPr lang="en-US" dirty="0" smtClean="0"/>
-              <a:t> 8M.</a:t>
+              <a:t> </a:t>
+            </a:r>
+            <a:r>
+              <a:rPr lang="en-US" dirty="0" smtClean="0"/>
+              <a:t>7W.</a:t>
             </a:r>
             <a:fld id="{A76D6F42-45A9-4E0C-ABC6-5B1DF8C9DA4D}" type="slidenum">
               <a:rPr lang="en-US" smtClean="0"/>
@@ -28701,7 +27144,11 @@
             </a:r>
             <a:r>
               <a:rPr lang="en-US" dirty="0" smtClean="0"/>
-              <a:t> 8M.</a:t>
+              <a:t> </a:t>
+            </a:r>
+            <a:r>
+              <a:rPr lang="en-US" dirty="0" smtClean="0"/>
+              <a:t>7W.</a:t>
             </a:r>
             <a:fld id="{CFEB42D4-4E47-493C-8554-B54FE0E35A40}" type="slidenum">
               <a:rPr lang="en-US" smtClean="0"/>
@@ -29606,7 +28053,11 @@
             </a:r>
             <a:r>
               <a:rPr lang="en-US" dirty="0" smtClean="0"/>
-              <a:t> 8M.</a:t>
+              <a:t> </a:t>
+            </a:r>
+            <a:r>
+              <a:rPr lang="en-US" dirty="0" smtClean="0"/>
+              <a:t>7W.</a:t>
             </a:r>
             <a:fld id="{ACC363C6-8D9D-421F-8655-B729B7FC22AD}" type="slidenum">
               <a:rPr lang="en-US" smtClean="0"/>
@@ -30134,7 +28585,11 @@
             </a:r>
             <a:r>
               <a:rPr lang="en-US" dirty="0" smtClean="0"/>
-              <a:t> 8M.</a:t>
+              <a:t> </a:t>
+            </a:r>
+            <a:r>
+              <a:rPr lang="en-US" dirty="0" smtClean="0"/>
+              <a:t>7W.</a:t>
             </a:r>
             <a:fld id="{E52A4584-A2D5-43DA-9AC5-529CD51A4E42}" type="slidenum">
               <a:rPr lang="en-US" smtClean="0"/>
@@ -31245,7 +29700,11 @@
             </a:r>
             <a:r>
               <a:rPr lang="en-US" dirty="0" smtClean="0"/>
-              <a:t> 8M.</a:t>
+              <a:t> </a:t>
+            </a:r>
+            <a:r>
+              <a:rPr lang="en-US" dirty="0" smtClean="0"/>
+              <a:t>7W.</a:t>
             </a:r>
             <a:fld id="{D701E121-6727-41EF-AC65-3B0FD0B8E2FF}" type="slidenum">
               <a:rPr lang="en-US" smtClean="0"/>
@@ -32436,7 +30895,11 @@
             </a:r>
             <a:r>
               <a:rPr lang="en-US" dirty="0" smtClean="0"/>
-              <a:t> 8M.</a:t>
+              <a:t> </a:t>
+            </a:r>
+            <a:r>
+              <a:rPr lang="en-US" dirty="0" smtClean="0"/>
+              <a:t>7W.</a:t>
             </a:r>
             <a:fld id="{2B7191F5-D72E-4363-9C6F-D02F3D2E27BA}" type="slidenum">
               <a:rPr lang="en-US" smtClean="0"/>
@@ -32504,7 +30967,7 @@
           <a:graphicData uri="http://schemas.openxmlformats.org/presentationml/2006/ole">
             <mc:AlternateContent xmlns:mc="http://schemas.openxmlformats.org/markup-compatibility/2006">
               <mc:Choice xmlns:v="urn:schemas-microsoft-com:vml" Requires="v">
-                <p:oleObj spid="_x0000_s575510" name="Equation" r:id="rId4" imgW="1346040" imgH="406080" progId="Equation.DSMT4">
+                <p:oleObj spid="_x0000_s575512" name="Equation" r:id="rId4" imgW="1346040" imgH="406080" progId="Equation.DSMT4">
                   <p:embed/>
                 </p:oleObj>
               </mc:Choice>
@@ -33516,681 +31979,6 @@
 </file>
 
 <file path=ppt/theme/theme2.xml><?xml version="1.0" encoding="utf-8"?>
-<a:theme xmlns:a="http://schemas.openxmlformats.org/drawingml/2006/main" name="1_6.042 Lecture Template">
-  <a:themeElements>
-    <a:clrScheme name="">
-      <a:dk1>
-        <a:srgbClr val="000000"/>
-      </a:dk1>
-      <a:lt1>
-        <a:srgbClr val="FFFFFF"/>
-      </a:lt1>
-      <a:dk2>
-        <a:srgbClr val="000000"/>
-      </a:dk2>
-      <a:lt2>
-        <a:srgbClr val="808080"/>
-      </a:lt2>
-      <a:accent1>
-        <a:srgbClr val="CCCCFF"/>
-      </a:accent1>
-      <a:accent2>
-        <a:srgbClr val="CC0000"/>
-      </a:accent2>
-      <a:accent3>
-        <a:srgbClr val="FFFFFF"/>
-      </a:accent3>
-      <a:accent4>
-        <a:srgbClr val="000000"/>
-      </a:accent4>
-      <a:accent5>
-        <a:srgbClr val="E2E2FF"/>
-      </a:accent5>
-      <a:accent6>
-        <a:srgbClr val="B90000"/>
-      </a:accent6>
-      <a:hlink>
-        <a:srgbClr val="CC0000"/>
-      </a:hlink>
-      <a:folHlink>
-        <a:srgbClr val="009999"/>
-      </a:folHlink>
-    </a:clrScheme>
-    <a:fontScheme name="6.042 Lecture Template">
-      <a:majorFont>
-        <a:latin typeface="Comic Sans MS"/>
-        <a:ea typeface=""/>
-        <a:cs typeface=""/>
-      </a:majorFont>
-      <a:minorFont>
-        <a:latin typeface="Comic Sans MS"/>
-        <a:ea typeface=""/>
-        <a:cs typeface=""/>
-      </a:minorFont>
-    </a:fontScheme>
-    <a:fmtScheme name="Office">
-      <a:fillStyleLst>
-        <a:solidFill>
-          <a:schemeClr val="phClr"/>
-        </a:solidFill>
-        <a:gradFill rotWithShape="1">
-          <a:gsLst>
-            <a:gs pos="0">
-              <a:schemeClr val="phClr">
-                <a:tint val="50000"/>
-                <a:satMod val="300000"/>
-              </a:schemeClr>
-            </a:gs>
-            <a:gs pos="35000">
-              <a:schemeClr val="phClr">
-                <a:tint val="37000"/>
-                <a:satMod val="300000"/>
-              </a:schemeClr>
-            </a:gs>
-            <a:gs pos="100000">
-              <a:schemeClr val="phClr">
-                <a:tint val="15000"/>
-                <a:satMod val="350000"/>
-              </a:schemeClr>
-            </a:gs>
-          </a:gsLst>
-          <a:lin ang="16200000" scaled="1"/>
-        </a:gradFill>
-        <a:gradFill rotWithShape="1">
-          <a:gsLst>
-            <a:gs pos="0">
-              <a:schemeClr val="phClr">
-                <a:shade val="51000"/>
-                <a:satMod val="130000"/>
-              </a:schemeClr>
-            </a:gs>
-            <a:gs pos="80000">
-              <a:schemeClr val="phClr">
-                <a:shade val="93000"/>
-                <a:satMod val="130000"/>
-              </a:schemeClr>
-            </a:gs>
-            <a:gs pos="100000">
-              <a:schemeClr val="phClr">
-                <a:shade val="94000"/>
-                <a:satMod val="135000"/>
-              </a:schemeClr>
-            </a:gs>
-          </a:gsLst>
-          <a:lin ang="16200000" scaled="0"/>
-        </a:gradFill>
-      </a:fillStyleLst>
-      <a:lnStyleLst>
-        <a:ln w="9525" cap="flat" cmpd="sng" algn="ctr">
-          <a:solidFill>
-            <a:schemeClr val="phClr">
-              <a:shade val="95000"/>
-              <a:satMod val="105000"/>
-            </a:schemeClr>
-          </a:solidFill>
-          <a:prstDash val="solid"/>
-        </a:ln>
-        <a:ln w="25400" cap="flat" cmpd="sng" algn="ctr">
-          <a:solidFill>
-            <a:schemeClr val="phClr"/>
-          </a:solidFill>
-          <a:prstDash val="solid"/>
-        </a:ln>
-        <a:ln w="38100" cap="flat" cmpd="sng" algn="ctr">
-          <a:solidFill>
-            <a:schemeClr val="phClr"/>
-          </a:solidFill>
-          <a:prstDash val="solid"/>
-        </a:ln>
-      </a:lnStyleLst>
-      <a:effectStyleLst>
-        <a:effectStyle>
-          <a:effectLst>
-            <a:outerShdw blurRad="40000" dist="20000" dir="5400000" rotWithShape="0">
-              <a:srgbClr val="000000">
-                <a:alpha val="38000"/>
-              </a:srgbClr>
-            </a:outerShdw>
-          </a:effectLst>
-        </a:effectStyle>
-        <a:effectStyle>
-          <a:effectLst>
-            <a:outerShdw blurRad="40000" dist="23000" dir="5400000" rotWithShape="0">
-              <a:srgbClr val="000000">
-                <a:alpha val="35000"/>
-              </a:srgbClr>
-            </a:outerShdw>
-          </a:effectLst>
-        </a:effectStyle>
-        <a:effectStyle>
-          <a:effectLst>
-            <a:outerShdw blurRad="40000" dist="23000" dir="5400000" rotWithShape="0">
-              <a:srgbClr val="000000">
-                <a:alpha val="35000"/>
-              </a:srgbClr>
-            </a:outerShdw>
-          </a:effectLst>
-          <a:scene3d>
-            <a:camera prst="orthographicFront">
-              <a:rot lat="0" lon="0" rev="0"/>
-            </a:camera>
-            <a:lightRig rig="threePt" dir="t">
-              <a:rot lat="0" lon="0" rev="1200000"/>
-            </a:lightRig>
-          </a:scene3d>
-          <a:sp3d>
-            <a:bevelT w="63500" h="25400"/>
-          </a:sp3d>
-        </a:effectStyle>
-      </a:effectStyleLst>
-      <a:bgFillStyleLst>
-        <a:solidFill>
-          <a:schemeClr val="phClr"/>
-        </a:solidFill>
-        <a:gradFill rotWithShape="1">
-          <a:gsLst>
-            <a:gs pos="0">
-              <a:schemeClr val="phClr">
-                <a:tint val="40000"/>
-                <a:satMod val="350000"/>
-              </a:schemeClr>
-            </a:gs>
-            <a:gs pos="40000">
-              <a:schemeClr val="phClr">
-                <a:tint val="45000"/>
-                <a:shade val="99000"/>
-                <a:satMod val="350000"/>
-              </a:schemeClr>
-            </a:gs>
-            <a:gs pos="100000">
-              <a:schemeClr val="phClr">
-                <a:shade val="20000"/>
-                <a:satMod val="255000"/>
-              </a:schemeClr>
-            </a:gs>
-          </a:gsLst>
-          <a:path path="circle">
-            <a:fillToRect l="50000" t="-80000" r="50000" b="180000"/>
-          </a:path>
-        </a:gradFill>
-        <a:gradFill rotWithShape="1">
-          <a:gsLst>
-            <a:gs pos="0">
-              <a:schemeClr val="phClr">
-                <a:tint val="80000"/>
-                <a:satMod val="300000"/>
-              </a:schemeClr>
-            </a:gs>
-            <a:gs pos="100000">
-              <a:schemeClr val="phClr">
-                <a:shade val="30000"/>
-                <a:satMod val="200000"/>
-              </a:schemeClr>
-            </a:gs>
-          </a:gsLst>
-          <a:path path="circle">
-            <a:fillToRect l="50000" t="50000" r="50000" b="50000"/>
-          </a:path>
-        </a:gradFill>
-      </a:bgFillStyleLst>
-    </a:fmtScheme>
-  </a:themeElements>
-  <a:objectDefaults>
-    <a:spDef>
-      <a:spPr bwMode="auto">
-        <a:xfrm>
-          <a:off x="0" y="0"/>
-          <a:ext cx="1" cy="1"/>
-        </a:xfrm>
-        <a:custGeom>
-          <a:avLst/>
-          <a:gdLst/>
-          <a:ahLst/>
-          <a:cxnLst/>
-          <a:rect l="0" t="0" r="0" b="0"/>
-          <a:pathLst/>
-        </a:custGeom>
-        <a:noFill/>
-        <a:ln w="31750" cap="flat" cmpd="sng" algn="ctr">
-          <a:solidFill>
-            <a:schemeClr val="tx1"/>
-          </a:solidFill>
-          <a:prstDash val="solid"/>
-          <a:round/>
-          <a:headEnd type="none" w="med" len="med"/>
-          <a:tailEnd type="stealth" w="lg" len="lg"/>
-        </a:ln>
-        <a:effectLst/>
-      </a:spPr>
-      <a:bodyPr vert="horz" wrap="square" lIns="91440" tIns="45720" rIns="91440" bIns="45720" numCol="1" anchor="t" anchorCtr="0" compatLnSpc="1">
-        <a:prstTxWarp prst="textNoShape">
-          <a:avLst/>
-        </a:prstTxWarp>
-      </a:bodyPr>
-      <a:lstStyle>
-        <a:defPPr marL="0" marR="0" indent="0" algn="l" defTabSz="914400" rtl="0" eaLnBrk="1" fontAlgn="base" latinLnBrk="0" hangingPunct="1">
-          <a:lnSpc>
-            <a:spcPct val="100000"/>
-          </a:lnSpc>
-          <a:spcBef>
-            <a:spcPct val="0"/>
-          </a:spcBef>
-          <a:spcAft>
-            <a:spcPct val="0"/>
-          </a:spcAft>
-          <a:buClrTx/>
-          <a:buSzTx/>
-          <a:buFontTx/>
-          <a:buNone/>
-          <a:tabLst/>
-          <a:defRPr kumimoji="0" lang="en-US" sz="4000" b="0" i="0" u="none" strike="noStrike" cap="none" normalizeH="0" baseline="0" smtClean="0">
-            <a:ln>
-              <a:noFill/>
-            </a:ln>
-            <a:solidFill>
-              <a:schemeClr val="tx1"/>
-            </a:solidFill>
-            <a:effectLst/>
-            <a:latin typeface="Arial" pitchFamily="34" charset="0"/>
-          </a:defRPr>
-        </a:defPPr>
-      </a:lstStyle>
-    </a:spDef>
-    <a:lnDef>
-      <a:spPr bwMode="auto">
-        <a:xfrm>
-          <a:off x="0" y="0"/>
-          <a:ext cx="1" cy="1"/>
-        </a:xfrm>
-        <a:custGeom>
-          <a:avLst/>
-          <a:gdLst/>
-          <a:ahLst/>
-          <a:cxnLst/>
-          <a:rect l="0" t="0" r="0" b="0"/>
-          <a:pathLst/>
-        </a:custGeom>
-        <a:noFill/>
-        <a:ln w="31750" cap="flat" cmpd="sng" algn="ctr">
-          <a:solidFill>
-            <a:schemeClr val="tx1"/>
-          </a:solidFill>
-          <a:prstDash val="solid"/>
-          <a:round/>
-          <a:headEnd type="none" w="med" len="med"/>
-          <a:tailEnd type="stealth" w="lg" len="lg"/>
-        </a:ln>
-        <a:effectLst/>
-      </a:spPr>
-      <a:bodyPr vert="horz" wrap="square" lIns="91440" tIns="45720" rIns="91440" bIns="45720" numCol="1" anchor="t" anchorCtr="0" compatLnSpc="1">
-        <a:prstTxWarp prst="textNoShape">
-          <a:avLst/>
-        </a:prstTxWarp>
-      </a:bodyPr>
-      <a:lstStyle>
-        <a:defPPr marL="0" marR="0" indent="0" algn="l" defTabSz="914400" rtl="0" eaLnBrk="1" fontAlgn="base" latinLnBrk="0" hangingPunct="1">
-          <a:lnSpc>
-            <a:spcPct val="100000"/>
-          </a:lnSpc>
-          <a:spcBef>
-            <a:spcPct val="0"/>
-          </a:spcBef>
-          <a:spcAft>
-            <a:spcPct val="0"/>
-          </a:spcAft>
-          <a:buClrTx/>
-          <a:buSzTx/>
-          <a:buFontTx/>
-          <a:buNone/>
-          <a:tabLst/>
-          <a:defRPr kumimoji="0" lang="en-US" sz="4000" b="0" i="0" u="none" strike="noStrike" cap="none" normalizeH="0" baseline="0" smtClean="0">
-            <a:ln>
-              <a:noFill/>
-            </a:ln>
-            <a:solidFill>
-              <a:schemeClr val="tx1"/>
-            </a:solidFill>
-            <a:effectLst/>
-            <a:latin typeface="Arial" pitchFamily="34" charset="0"/>
-          </a:defRPr>
-        </a:defPPr>
-      </a:lstStyle>
-    </a:lnDef>
-  </a:objectDefaults>
-  <a:extraClrSchemeLst>
-    <a:extraClrScheme>
-      <a:clrScheme name="6.042 Lecture Template 1">
-        <a:dk1>
-          <a:srgbClr val="000000"/>
-        </a:dk1>
-        <a:lt1>
-          <a:srgbClr val="FFFFFF"/>
-        </a:lt1>
-        <a:dk2>
-          <a:srgbClr val="0000FF"/>
-        </a:dk2>
-        <a:lt2>
-          <a:srgbClr val="FFFF00"/>
-        </a:lt2>
-        <a:accent1>
-          <a:srgbClr val="FF9900"/>
-        </a:accent1>
-        <a:accent2>
-          <a:srgbClr val="00FFFF"/>
-        </a:accent2>
-        <a:accent3>
-          <a:srgbClr val="AAAAFF"/>
-        </a:accent3>
-        <a:accent4>
-          <a:srgbClr val="DADADA"/>
-        </a:accent4>
-        <a:accent5>
-          <a:srgbClr val="FFCAAA"/>
-        </a:accent5>
-        <a:accent6>
-          <a:srgbClr val="00E7E7"/>
-        </a:accent6>
-        <a:hlink>
-          <a:srgbClr val="FF0000"/>
-        </a:hlink>
-        <a:folHlink>
-          <a:srgbClr val="969696"/>
-        </a:folHlink>
-      </a:clrScheme>
-      <a:clrMap bg1="dk2" tx1="lt1" bg2="dk1" tx2="lt2" accent1="accent1" accent2="accent2" accent3="accent3" accent4="accent4" accent5="accent5" accent6="accent6" hlink="hlink" folHlink="folHlink"/>
-    </a:extraClrScheme>
-    <a:extraClrScheme>
-      <a:clrScheme name="6.042 Lecture Template 2">
-        <a:dk1>
-          <a:srgbClr val="000000"/>
-        </a:dk1>
-        <a:lt1>
-          <a:srgbClr val="FFFFFF"/>
-        </a:lt1>
-        <a:dk2>
-          <a:srgbClr val="000000"/>
-        </a:dk2>
-        <a:lt2>
-          <a:srgbClr val="808080"/>
-        </a:lt2>
-        <a:accent1>
-          <a:srgbClr val="00CC99"/>
-        </a:accent1>
-        <a:accent2>
-          <a:srgbClr val="3333CC"/>
-        </a:accent2>
-        <a:accent3>
-          <a:srgbClr val="FFFFFF"/>
-        </a:accent3>
-        <a:accent4>
-          <a:srgbClr val="000000"/>
-        </a:accent4>
-        <a:accent5>
-          <a:srgbClr val="AAE2CA"/>
-        </a:accent5>
-        <a:accent6>
-          <a:srgbClr val="2D2DB9"/>
-        </a:accent6>
-        <a:hlink>
-          <a:srgbClr val="CCCCFF"/>
-        </a:hlink>
-        <a:folHlink>
-          <a:srgbClr val="B2B2B2"/>
-        </a:folHlink>
-      </a:clrScheme>
-      <a:clrMap bg1="lt1" tx1="dk1" bg2="lt2" tx2="dk2" accent1="accent1" accent2="accent2" accent3="accent3" accent4="accent4" accent5="accent5" accent6="accent6" hlink="hlink" folHlink="folHlink"/>
-    </a:extraClrScheme>
-    <a:extraClrScheme>
-      <a:clrScheme name="6.042 Lecture Template 3">
-        <a:dk1>
-          <a:srgbClr val="000000"/>
-        </a:dk1>
-        <a:lt1>
-          <a:srgbClr val="FFFFFF"/>
-        </a:lt1>
-        <a:dk2>
-          <a:srgbClr val="000000"/>
-        </a:dk2>
-        <a:lt2>
-          <a:srgbClr val="333333"/>
-        </a:lt2>
-        <a:accent1>
-          <a:srgbClr val="DDDDDD"/>
-        </a:accent1>
-        <a:accent2>
-          <a:srgbClr val="808080"/>
-        </a:accent2>
-        <a:accent3>
-          <a:srgbClr val="FFFFFF"/>
-        </a:accent3>
-        <a:accent4>
-          <a:srgbClr val="000000"/>
-        </a:accent4>
-        <a:accent5>
-          <a:srgbClr val="EBEBEB"/>
-        </a:accent5>
-        <a:accent6>
-          <a:srgbClr val="737373"/>
-        </a:accent6>
-        <a:hlink>
-          <a:srgbClr val="4D4D4D"/>
-        </a:hlink>
-        <a:folHlink>
-          <a:srgbClr val="EAEAEA"/>
-        </a:folHlink>
-      </a:clrScheme>
-      <a:clrMap bg1="lt1" tx1="dk1" bg2="lt2" tx2="dk2" accent1="accent1" accent2="accent2" accent3="accent3" accent4="accent4" accent5="accent5" accent6="accent6" hlink="hlink" folHlink="folHlink"/>
-    </a:extraClrScheme>
-    <a:extraClrScheme>
-      <a:clrScheme name="6.042 Lecture Template 4">
-        <a:dk1>
-          <a:srgbClr val="000000"/>
-        </a:dk1>
-        <a:lt1>
-          <a:srgbClr val="FFFFCC"/>
-        </a:lt1>
-        <a:dk2>
-          <a:srgbClr val="808000"/>
-        </a:dk2>
-        <a:lt2>
-          <a:srgbClr val="666633"/>
-        </a:lt2>
-        <a:accent1>
-          <a:srgbClr val="339933"/>
-        </a:accent1>
-        <a:accent2>
-          <a:srgbClr val="800000"/>
-        </a:accent2>
-        <a:accent3>
-          <a:srgbClr val="FFFFE2"/>
-        </a:accent3>
-        <a:accent4>
-          <a:srgbClr val="000000"/>
-        </a:accent4>
-        <a:accent5>
-          <a:srgbClr val="ADCAAD"/>
-        </a:accent5>
-        <a:accent6>
-          <a:srgbClr val="730000"/>
-        </a:accent6>
-        <a:hlink>
-          <a:srgbClr val="0033CC"/>
-        </a:hlink>
-        <a:folHlink>
-          <a:srgbClr val="FFCC66"/>
-        </a:folHlink>
-      </a:clrScheme>
-      <a:clrMap bg1="lt1" tx1="dk1" bg2="lt2" tx2="dk2" accent1="accent1" accent2="accent2" accent3="accent3" accent4="accent4" accent5="accent5" accent6="accent6" hlink="hlink" folHlink="folHlink"/>
-    </a:extraClrScheme>
-    <a:extraClrScheme>
-      <a:clrScheme name="6.042 Lecture Template 5">
-        <a:dk1>
-          <a:srgbClr val="000000"/>
-        </a:dk1>
-        <a:lt1>
-          <a:srgbClr val="FFFFFF"/>
-        </a:lt1>
-        <a:dk2>
-          <a:srgbClr val="000000"/>
-        </a:dk2>
-        <a:lt2>
-          <a:srgbClr val="808080"/>
-        </a:lt2>
-        <a:accent1>
-          <a:srgbClr val="FFCC66"/>
-        </a:accent1>
-        <a:accent2>
-          <a:srgbClr val="0000FF"/>
-        </a:accent2>
-        <a:accent3>
-          <a:srgbClr val="FFFFFF"/>
-        </a:accent3>
-        <a:accent4>
-          <a:srgbClr val="000000"/>
-        </a:accent4>
-        <a:accent5>
-          <a:srgbClr val="FFE2B8"/>
-        </a:accent5>
-        <a:accent6>
-          <a:srgbClr val="0000E7"/>
-        </a:accent6>
-        <a:hlink>
-          <a:srgbClr val="CC00CC"/>
-        </a:hlink>
-        <a:folHlink>
-          <a:srgbClr val="C0C0C0"/>
-        </a:folHlink>
-      </a:clrScheme>
-      <a:clrMap bg1="lt1" tx1="dk1" bg2="lt2" tx2="dk2" accent1="accent1" accent2="accent2" accent3="accent3" accent4="accent4" accent5="accent5" accent6="accent6" hlink="hlink" folHlink="folHlink"/>
-    </a:extraClrScheme>
-    <a:extraClrScheme>
-      <a:clrScheme name="6.042 Lecture Template 6">
-        <a:dk1>
-          <a:srgbClr val="000000"/>
-        </a:dk1>
-        <a:lt1>
-          <a:srgbClr val="FFFFFF"/>
-        </a:lt1>
-        <a:dk2>
-          <a:srgbClr val="000000"/>
-        </a:dk2>
-        <a:lt2>
-          <a:srgbClr val="808080"/>
-        </a:lt2>
-        <a:accent1>
-          <a:srgbClr val="C0C0C0"/>
-        </a:accent1>
-        <a:accent2>
-          <a:srgbClr val="0066FF"/>
-        </a:accent2>
-        <a:accent3>
-          <a:srgbClr val="FFFFFF"/>
-        </a:accent3>
-        <a:accent4>
-          <a:srgbClr val="000000"/>
-        </a:accent4>
-        <a:accent5>
-          <a:srgbClr val="DCDCDC"/>
-        </a:accent5>
-        <a:accent6>
-          <a:srgbClr val="005CE7"/>
-        </a:accent6>
-        <a:hlink>
-          <a:srgbClr val="FF0000"/>
-        </a:hlink>
-        <a:folHlink>
-          <a:srgbClr val="009900"/>
-        </a:folHlink>
-      </a:clrScheme>
-      <a:clrMap bg1="lt1" tx1="dk1" bg2="lt2" tx2="dk2" accent1="accent1" accent2="accent2" accent3="accent3" accent4="accent4" accent5="accent5" accent6="accent6" hlink="hlink" folHlink="folHlink"/>
-    </a:extraClrScheme>
-    <a:extraClrScheme>
-      <a:clrScheme name="6.042 Lecture Template 7">
-        <a:dk1>
-          <a:srgbClr val="000000"/>
-        </a:dk1>
-        <a:lt1>
-          <a:srgbClr val="FFFFFF"/>
-        </a:lt1>
-        <a:dk2>
-          <a:srgbClr val="000000"/>
-        </a:dk2>
-        <a:lt2>
-          <a:srgbClr val="808080"/>
-        </a:lt2>
-        <a:accent1>
-          <a:srgbClr val="3399FF"/>
-        </a:accent1>
-        <a:accent2>
-          <a:srgbClr val="99FFCC"/>
-        </a:accent2>
-        <a:accent3>
-          <a:srgbClr val="FFFFFF"/>
-        </a:accent3>
-        <a:accent4>
-          <a:srgbClr val="000000"/>
-        </a:accent4>
-        <a:accent5>
-          <a:srgbClr val="ADCAFF"/>
-        </a:accent5>
-        <a:accent6>
-          <a:srgbClr val="8AE7B9"/>
-        </a:accent6>
-        <a:hlink>
-          <a:srgbClr val="CC00CC"/>
-        </a:hlink>
-        <a:folHlink>
-          <a:srgbClr val="B2B2B2"/>
-        </a:folHlink>
-      </a:clrScheme>
-      <a:clrMap bg1="lt1" tx1="dk1" bg2="lt2" tx2="dk2" accent1="accent1" accent2="accent2" accent3="accent3" accent4="accent4" accent5="accent5" accent6="accent6" hlink="hlink" folHlink="folHlink"/>
-    </a:extraClrScheme>
-    <a:extraClrScheme>
-      <a:clrScheme name="6.042 Lecture Template 8">
-        <a:dk1>
-          <a:srgbClr val="000000"/>
-        </a:dk1>
-        <a:lt1>
-          <a:srgbClr val="FFFFFF"/>
-        </a:lt1>
-        <a:dk2>
-          <a:srgbClr val="000000"/>
-        </a:dk2>
-        <a:lt2>
-          <a:srgbClr val="808080"/>
-        </a:lt2>
-        <a:accent1>
-          <a:srgbClr val="009999"/>
-        </a:accent1>
-        <a:accent2>
-          <a:srgbClr val="CC0000"/>
-        </a:accent2>
-        <a:accent3>
-          <a:srgbClr val="FFFFFF"/>
-        </a:accent3>
-        <a:accent4>
-          <a:srgbClr val="000000"/>
-        </a:accent4>
-        <a:accent5>
-          <a:srgbClr val="AACACA"/>
-        </a:accent5>
-        <a:accent6>
-          <a:srgbClr val="B90000"/>
-        </a:accent6>
-        <a:hlink>
-          <a:srgbClr val="CCCCFF"/>
-        </a:hlink>
-        <a:folHlink>
-          <a:srgbClr val="B2B2B2"/>
-        </a:folHlink>
-      </a:clrScheme>
-      <a:clrMap bg1="lt1" tx1="dk1" bg2="lt2" tx2="dk2" accent1="accent1" accent2="accent2" accent3="accent3" accent4="accent4" accent5="accent5" accent6="accent6" hlink="hlink" folHlink="folHlink"/>
-    </a:extraClrScheme>
-  </a:extraClrSchemeLst>
-</a:theme>
-</file>
-
-<file path=ppt/theme/theme3.xml><?xml version="1.0" encoding="utf-8"?>
 <a:theme xmlns:a="http://schemas.openxmlformats.org/drawingml/2006/main" name="Office Theme">
   <a:themeElements>
     <a:clrScheme name="">
@@ -34473,7 +32261,7 @@
 </a:theme>
 </file>
 
-<file path=ppt/theme/theme4.xml><?xml version="1.0" encoding="utf-8"?>
+<file path=ppt/theme/theme3.xml><?xml version="1.0" encoding="utf-8"?>
 <a:theme xmlns:a="http://schemas.openxmlformats.org/drawingml/2006/main" name="Office Theme">
   <a:themeElements>
     <a:clrScheme name="">
